--- a/Documentation/Project Presentation Template.pptx
+++ b/Documentation/Project Presentation Template.pptx
@@ -5,7 +5,7 @@
     <p:sldMasterId id="2147483648" r:id="rId1"/>
   </p:sldMasterIdLst>
   <p:notesMasterIdLst>
-    <p:notesMasterId r:id="rId23"/>
+    <p:notesMasterId r:id="rId32"/>
   </p:notesMasterIdLst>
   <p:sldIdLst>
     <p:sldId id="3640" r:id="rId2"/>
@@ -26,9 +26,18 @@
     <p:sldId id="3717" r:id="rId17"/>
     <p:sldId id="3721" r:id="rId18"/>
     <p:sldId id="3722" r:id="rId19"/>
-    <p:sldId id="3723" r:id="rId20"/>
-    <p:sldId id="3706" r:id="rId21"/>
-    <p:sldId id="3641" r:id="rId22"/>
+    <p:sldId id="3724" r:id="rId20"/>
+    <p:sldId id="3725" r:id="rId21"/>
+    <p:sldId id="3726" r:id="rId22"/>
+    <p:sldId id="3727" r:id="rId23"/>
+    <p:sldId id="3728" r:id="rId24"/>
+    <p:sldId id="3729" r:id="rId25"/>
+    <p:sldId id="3730" r:id="rId26"/>
+    <p:sldId id="3731" r:id="rId27"/>
+    <p:sldId id="3732" r:id="rId28"/>
+    <p:sldId id="3723" r:id="rId29"/>
+    <p:sldId id="3706" r:id="rId30"/>
+    <p:sldId id="3641" r:id="rId31"/>
   </p:sldIdLst>
   <p:sldSz cx="12192000" cy="6858000"/>
   <p:notesSz cx="6858000" cy="9144000"/>
@@ -240,7 +249,7 @@
           <a:p>
             <a:fld id="{73E9D15D-1C13-CC45-BE09-4D54E9A973B4}" type="datetimeFigureOut">
               <a:rPr lang="en-US" smtClean="0"/>
-              <a:t>10/19/2024</a:t>
+              <a:t>12/6/2024</a:t>
             </a:fld>
             <a:endParaRPr lang="en-US" dirty="0"/>
           </a:p>
@@ -670,7 +679,7 @@
           <a:p>
             <a:fld id="{FD3D9895-3AFC-9E49-BB6B-D5AF81433D95}" type="datetimeFigureOut">
               <a:rPr lang="en-US" smtClean="0"/>
-              <a:t>10/19/2024</a:t>
+              <a:t>12/6/2024</a:t>
             </a:fld>
             <a:endParaRPr lang="en-US" dirty="0"/>
           </a:p>
@@ -831,7 +840,7 @@
           <a:p>
             <a:fld id="{1703F520-AAB7-4D20-958E-A456239933B0}" type="datetimeFigureOut">
               <a:rPr lang="en-US" smtClean="0"/>
-              <a:t>10/19/2024</a:t>
+              <a:t>12/6/2024</a:t>
             </a:fld>
             <a:endParaRPr lang="en-US" dirty="0"/>
           </a:p>
@@ -4200,6 +4209,2182 @@
   <p:cSld>
     <p:spTree>
       <p:nvGrpSpPr>
+        <p:cNvPr id="1" name="">
+          <a:extLst>
+            <a:ext uri="{FF2B5EF4-FFF2-40B4-BE49-F238E27FC236}">
+              <a16:creationId xmlns:a16="http://schemas.microsoft.com/office/drawing/2014/main" id="{61779C16-8ADB-FB6C-68D8-FEDBD7767421}"/>
+            </a:ext>
+          </a:extLst>
+        </p:cNvPr>
+        <p:cNvGrpSpPr/>
+        <p:nvPr/>
+      </p:nvGrpSpPr>
+      <p:grpSpPr>
+        <a:xfrm>
+          <a:off x="0" y="0"/>
+          <a:ext cx="0" cy="0"/>
+          <a:chOff x="0" y="0"/>
+          <a:chExt cx="0" cy="0"/>
+        </a:xfrm>
+      </p:grpSpPr>
+      <p:sp>
+        <p:nvSpPr>
+          <p:cNvPr id="4" name="Rectangle 3">
+            <a:extLst>
+              <a:ext uri="{FF2B5EF4-FFF2-40B4-BE49-F238E27FC236}">
+                <a16:creationId xmlns:a16="http://schemas.microsoft.com/office/drawing/2014/main" id="{458D1B65-D853-93C4-E43C-25FD424A6CC6}"/>
+              </a:ext>
+            </a:extLst>
+          </p:cNvPr>
+          <p:cNvSpPr/>
+          <p:nvPr/>
+        </p:nvSpPr>
+        <p:spPr>
+          <a:xfrm>
+            <a:off x="10668000" y="150471"/>
+            <a:ext cx="1381246" cy="682906"/>
+          </a:xfrm>
+          <a:prstGeom prst="rect">
+            <a:avLst/>
+          </a:prstGeom>
+          <a:solidFill>
+            <a:schemeClr val="bg1"/>
+          </a:solidFill>
+          <a:ln>
+            <a:noFill/>
+          </a:ln>
+        </p:spPr>
+        <p:style>
+          <a:lnRef idx="2">
+            <a:schemeClr val="accent1">
+              <a:shade val="50000"/>
+            </a:schemeClr>
+          </a:lnRef>
+          <a:fillRef idx="1">
+            <a:schemeClr val="accent1"/>
+          </a:fillRef>
+          <a:effectRef idx="0">
+            <a:schemeClr val="accent1"/>
+          </a:effectRef>
+          <a:fontRef idx="minor">
+            <a:schemeClr val="lt1"/>
+          </a:fontRef>
+        </p:style>
+        <p:txBody>
+          <a:bodyPr rtlCol="0" anchor="ctr"/>
+          <a:lstStyle/>
+          <a:p>
+            <a:pPr algn="ctr"/>
+            <a:endParaRPr lang="en-US" dirty="0"/>
+          </a:p>
+        </p:txBody>
+      </p:sp>
+      <p:sp>
+        <p:nvSpPr>
+          <p:cNvPr id="8" name="TextBox 7">
+            <a:extLst>
+              <a:ext uri="{FF2B5EF4-FFF2-40B4-BE49-F238E27FC236}">
+                <a16:creationId xmlns:a16="http://schemas.microsoft.com/office/drawing/2014/main" id="{A2F3626D-C524-AA81-F719-DD024FD985F7}"/>
+              </a:ext>
+            </a:extLst>
+          </p:cNvPr>
+          <p:cNvSpPr txBox="1"/>
+          <p:nvPr/>
+        </p:nvSpPr>
+        <p:spPr>
+          <a:xfrm>
+            <a:off x="314908" y="287452"/>
+            <a:ext cx="6097554" cy="584775"/>
+          </a:xfrm>
+          <a:prstGeom prst="rect">
+            <a:avLst/>
+          </a:prstGeom>
+          <a:noFill/>
+        </p:spPr>
+        <p:txBody>
+          <a:bodyPr wrap="square">
+            <a:spAutoFit/>
+          </a:bodyPr>
+          <a:lstStyle/>
+          <a:p>
+            <a:pPr marL="0" marR="0" lvl="0" indent="0" algn="l" defTabSz="914400" rtl="0" eaLnBrk="1" fontAlgn="auto" latinLnBrk="0" hangingPunct="1">
+              <a:lnSpc>
+                <a:spcPct val="100000"/>
+              </a:lnSpc>
+              <a:spcBef>
+                <a:spcPts val="0"/>
+              </a:spcBef>
+              <a:spcAft>
+                <a:spcPts val="0"/>
+              </a:spcAft>
+              <a:buClrTx/>
+              <a:buSzTx/>
+              <a:buFontTx/>
+              <a:buNone/>
+              <a:tabLst/>
+              <a:defRPr/>
+            </a:pPr>
+            <a:r>
+              <a:rPr lang="en-US" sz="3200" b="1" dirty="0">
+                <a:solidFill>
+                  <a:srgbClr val="46B0FA"/>
+                </a:solidFill>
+                <a:latin typeface="Arial" panose="020B0604020202020204" pitchFamily="34" charset="0"/>
+                <a:cs typeface="Arial" panose="020B0604020202020204" pitchFamily="34" charset="0"/>
+              </a:rPr>
+              <a:t>Results</a:t>
+            </a:r>
+            <a:endParaRPr kumimoji="0" lang="en-IN" sz="3200" b="1" i="0" u="none" strike="noStrike" kern="1200" cap="none" spc="0" normalizeH="0" baseline="0" noProof="0" dirty="0">
+              <a:ln>
+                <a:noFill/>
+              </a:ln>
+              <a:solidFill>
+                <a:srgbClr val="46B0FA"/>
+              </a:solidFill>
+              <a:effectLst/>
+              <a:uLnTx/>
+              <a:uFillTx/>
+              <a:latin typeface="Arial" panose="020B0604020202020204" pitchFamily="34" charset="0"/>
+              <a:ea typeface="+mn-ea"/>
+              <a:cs typeface="Arial" panose="020B0604020202020204" pitchFamily="34" charset="0"/>
+            </a:endParaRPr>
+          </a:p>
+        </p:txBody>
+      </p:sp>
+      <p:sp>
+        <p:nvSpPr>
+          <p:cNvPr id="3" name="TextBox 2">
+            <a:extLst>
+              <a:ext uri="{FF2B5EF4-FFF2-40B4-BE49-F238E27FC236}">
+                <a16:creationId xmlns:a16="http://schemas.microsoft.com/office/drawing/2014/main" id="{CB11A8A3-9237-0B46-CAD0-6964E1802D09}"/>
+              </a:ext>
+            </a:extLst>
+          </p:cNvPr>
+          <p:cNvSpPr txBox="1"/>
+          <p:nvPr/>
+        </p:nvSpPr>
+        <p:spPr>
+          <a:xfrm>
+            <a:off x="319234" y="872227"/>
+            <a:ext cx="6093228" cy="369332"/>
+          </a:xfrm>
+          <a:prstGeom prst="rect">
+            <a:avLst/>
+          </a:prstGeom>
+          <a:noFill/>
+        </p:spPr>
+        <p:txBody>
+          <a:bodyPr wrap="square">
+            <a:spAutoFit/>
+          </a:bodyPr>
+          <a:lstStyle>
+            <a:defPPr>
+              <a:defRPr lang="en-US"/>
+            </a:defPPr>
+            <a:lvl1pPr marL="0" algn="l" defTabSz="914400" rtl="0" eaLnBrk="1" latinLnBrk="0" hangingPunct="1">
+              <a:defRPr sz="1800" kern="1200">
+                <a:solidFill>
+                  <a:schemeClr val="tx1"/>
+                </a:solidFill>
+                <a:latin typeface="+mn-lt"/>
+                <a:ea typeface="+mn-ea"/>
+                <a:cs typeface="+mn-cs"/>
+              </a:defRPr>
+            </a:lvl1pPr>
+            <a:lvl2pPr marL="457200" algn="l" defTabSz="914400" rtl="0" eaLnBrk="1" latinLnBrk="0" hangingPunct="1">
+              <a:defRPr sz="1800" kern="1200">
+                <a:solidFill>
+                  <a:schemeClr val="tx1"/>
+                </a:solidFill>
+                <a:latin typeface="+mn-lt"/>
+                <a:ea typeface="+mn-ea"/>
+                <a:cs typeface="+mn-cs"/>
+              </a:defRPr>
+            </a:lvl2pPr>
+            <a:lvl3pPr marL="914400" algn="l" defTabSz="914400" rtl="0" eaLnBrk="1" latinLnBrk="0" hangingPunct="1">
+              <a:defRPr sz="1800" kern="1200">
+                <a:solidFill>
+                  <a:schemeClr val="tx1"/>
+                </a:solidFill>
+                <a:latin typeface="+mn-lt"/>
+                <a:ea typeface="+mn-ea"/>
+                <a:cs typeface="+mn-cs"/>
+              </a:defRPr>
+            </a:lvl3pPr>
+            <a:lvl4pPr marL="1371600" algn="l" defTabSz="914400" rtl="0" eaLnBrk="1" latinLnBrk="0" hangingPunct="1">
+              <a:defRPr sz="1800" kern="1200">
+                <a:solidFill>
+                  <a:schemeClr val="tx1"/>
+                </a:solidFill>
+                <a:latin typeface="+mn-lt"/>
+                <a:ea typeface="+mn-ea"/>
+                <a:cs typeface="+mn-cs"/>
+              </a:defRPr>
+            </a:lvl4pPr>
+            <a:lvl5pPr marL="1828800" algn="l" defTabSz="914400" rtl="0" eaLnBrk="1" latinLnBrk="0" hangingPunct="1">
+              <a:defRPr sz="1800" kern="1200">
+                <a:solidFill>
+                  <a:schemeClr val="tx1"/>
+                </a:solidFill>
+                <a:latin typeface="+mn-lt"/>
+                <a:ea typeface="+mn-ea"/>
+                <a:cs typeface="+mn-cs"/>
+              </a:defRPr>
+            </a:lvl5pPr>
+            <a:lvl6pPr marL="2286000" algn="l" defTabSz="914400" rtl="0" eaLnBrk="1" latinLnBrk="0" hangingPunct="1">
+              <a:defRPr sz="1800" kern="1200">
+                <a:solidFill>
+                  <a:schemeClr val="tx1"/>
+                </a:solidFill>
+                <a:latin typeface="+mn-lt"/>
+                <a:ea typeface="+mn-ea"/>
+                <a:cs typeface="+mn-cs"/>
+              </a:defRPr>
+            </a:lvl6pPr>
+            <a:lvl7pPr marL="2743200" algn="l" defTabSz="914400" rtl="0" eaLnBrk="1" latinLnBrk="0" hangingPunct="1">
+              <a:defRPr sz="1800" kern="1200">
+                <a:solidFill>
+                  <a:schemeClr val="tx1"/>
+                </a:solidFill>
+                <a:latin typeface="+mn-lt"/>
+                <a:ea typeface="+mn-ea"/>
+                <a:cs typeface="+mn-cs"/>
+              </a:defRPr>
+            </a:lvl7pPr>
+            <a:lvl8pPr marL="3200400" algn="l" defTabSz="914400" rtl="0" eaLnBrk="1" latinLnBrk="0" hangingPunct="1">
+              <a:defRPr sz="1800" kern="1200">
+                <a:solidFill>
+                  <a:schemeClr val="tx1"/>
+                </a:solidFill>
+                <a:latin typeface="+mn-lt"/>
+                <a:ea typeface="+mn-ea"/>
+                <a:cs typeface="+mn-cs"/>
+              </a:defRPr>
+            </a:lvl8pPr>
+            <a:lvl9pPr marL="3657600" algn="l" defTabSz="914400" rtl="0" eaLnBrk="1" latinLnBrk="0" hangingPunct="1">
+              <a:defRPr sz="1800" kern="1200">
+                <a:solidFill>
+                  <a:schemeClr val="tx1"/>
+                </a:solidFill>
+                <a:latin typeface="+mn-lt"/>
+                <a:ea typeface="+mn-ea"/>
+                <a:cs typeface="+mn-cs"/>
+              </a:defRPr>
+            </a:lvl9pPr>
+          </a:lstStyle>
+          <a:p>
+            <a:r>
+              <a:rPr lang="en-US" dirty="0">
+                <a:latin typeface="Arial" panose="020B0604020202020204" pitchFamily="34" charset="0"/>
+                <a:cs typeface="Arial" panose="020B0604020202020204" pitchFamily="34" charset="0"/>
+              </a:rPr>
+              <a:t>Code:</a:t>
+            </a:r>
+            <a:endParaRPr lang="en-US" sz="1800" dirty="0">
+              <a:latin typeface="Arial" panose="020B0604020202020204" pitchFamily="34" charset="0"/>
+              <a:cs typeface="Arial" panose="020B0604020202020204" pitchFamily="34" charset="0"/>
+            </a:endParaRPr>
+          </a:p>
+        </p:txBody>
+      </p:sp>
+      <p:pic>
+        <p:nvPicPr>
+          <p:cNvPr id="5" name="Picture 4">
+            <a:extLst>
+              <a:ext uri="{FF2B5EF4-FFF2-40B4-BE49-F238E27FC236}">
+                <a16:creationId xmlns:a16="http://schemas.microsoft.com/office/drawing/2014/main" id="{D2B65C6B-9901-0127-FA01-68A71030DC22}"/>
+              </a:ext>
+            </a:extLst>
+          </p:cNvPr>
+          <p:cNvPicPr>
+            <a:picLocks noChangeAspect="1"/>
+          </p:cNvPicPr>
+          <p:nvPr/>
+        </p:nvPicPr>
+        <p:blipFill>
+          <a:blip r:embed="rId2"/>
+          <a:stretch>
+            <a:fillRect/>
+          </a:stretch>
+        </p:blipFill>
+        <p:spPr>
+          <a:xfrm>
+            <a:off x="1628691" y="1042995"/>
+            <a:ext cx="9039309" cy="5664534"/>
+          </a:xfrm>
+          <a:prstGeom prst="rect">
+            <a:avLst/>
+          </a:prstGeom>
+        </p:spPr>
+      </p:pic>
+    </p:spTree>
+    <p:extLst>
+      <p:ext uri="{BB962C8B-B14F-4D97-AF65-F5344CB8AC3E}">
+        <p14:creationId xmlns:p14="http://schemas.microsoft.com/office/powerpoint/2010/main" val="2549318435"/>
+      </p:ext>
+    </p:extLst>
+  </p:cSld>
+  <p:clrMapOvr>
+    <a:masterClrMapping/>
+  </p:clrMapOvr>
+</p:sld>
+</file>
+
+<file path=ppt/slides/slide2.xml><?xml version="1.0" encoding="utf-8"?>
+<p:sld xmlns:a="http://schemas.openxmlformats.org/drawingml/2006/main" xmlns:r="http://schemas.openxmlformats.org/officeDocument/2006/relationships" xmlns:p="http://schemas.openxmlformats.org/presentationml/2006/main">
+  <p:cSld>
+    <p:spTree>
+      <p:nvGrpSpPr>
+        <p:cNvPr id="1" name=""/>
+        <p:cNvGrpSpPr/>
+        <p:nvPr/>
+      </p:nvGrpSpPr>
+      <p:grpSpPr>
+        <a:xfrm>
+          <a:off x="0" y="0"/>
+          <a:ext cx="0" cy="0"/>
+          <a:chOff x="0" y="0"/>
+          <a:chExt cx="0" cy="0"/>
+        </a:xfrm>
+      </p:grpSpPr>
+      <p:sp>
+        <p:nvSpPr>
+          <p:cNvPr id="2" name="TextBox 1">
+            <a:extLst>
+              <a:ext uri="{FF2B5EF4-FFF2-40B4-BE49-F238E27FC236}">
+                <a16:creationId xmlns:a16="http://schemas.microsoft.com/office/drawing/2014/main" id="{B2EC635B-D8A3-4A72-8304-20FFBA5D21A3}"/>
+              </a:ext>
+            </a:extLst>
+          </p:cNvPr>
+          <p:cNvSpPr txBox="1"/>
+          <p:nvPr/>
+        </p:nvSpPr>
+        <p:spPr>
+          <a:xfrm>
+            <a:off x="325927" y="248626"/>
+            <a:ext cx="7530363" cy="584775"/>
+          </a:xfrm>
+          <a:prstGeom prst="rect">
+            <a:avLst/>
+          </a:prstGeom>
+          <a:noFill/>
+        </p:spPr>
+        <p:txBody>
+          <a:bodyPr wrap="square" rtlCol="0">
+            <a:spAutoFit/>
+          </a:bodyPr>
+          <a:lstStyle/>
+          <a:p>
+            <a:r>
+              <a:rPr lang="en-US" sz="3200" b="1" dirty="0">
+                <a:solidFill>
+                  <a:srgbClr val="46B0FA"/>
+                </a:solidFill>
+                <a:latin typeface="Arial" panose="020B0604020202020204" pitchFamily="34" charset="0"/>
+                <a:cs typeface="Arial" panose="020B0604020202020204" pitchFamily="34" charset="0"/>
+              </a:rPr>
+              <a:t>Content</a:t>
+            </a:r>
+            <a:endParaRPr lang="en-IN" sz="3200" b="1" dirty="0">
+              <a:solidFill>
+                <a:srgbClr val="46B0FA"/>
+              </a:solidFill>
+              <a:latin typeface="Arial" panose="020B0604020202020204" pitchFamily="34" charset="0"/>
+              <a:cs typeface="Arial" panose="020B0604020202020204" pitchFamily="34" charset="0"/>
+            </a:endParaRPr>
+          </a:p>
+        </p:txBody>
+      </p:sp>
+      <p:sp>
+        <p:nvSpPr>
+          <p:cNvPr id="3" name="TextBox 2">
+            <a:extLst>
+              <a:ext uri="{FF2B5EF4-FFF2-40B4-BE49-F238E27FC236}">
+                <a16:creationId xmlns:a16="http://schemas.microsoft.com/office/drawing/2014/main" id="{66168532-D141-4AB0-BD29-1663F2877B3E}"/>
+              </a:ext>
+            </a:extLst>
+          </p:cNvPr>
+          <p:cNvSpPr txBox="1"/>
+          <p:nvPr/>
+        </p:nvSpPr>
+        <p:spPr>
+          <a:xfrm>
+            <a:off x="1332411" y="1415301"/>
+            <a:ext cx="4650377" cy="4985980"/>
+          </a:xfrm>
+          <a:prstGeom prst="rect">
+            <a:avLst/>
+          </a:prstGeom>
+          <a:noFill/>
+        </p:spPr>
+        <p:txBody>
+          <a:bodyPr wrap="square" rtlCol="0">
+            <a:spAutoFit/>
+          </a:bodyPr>
+          <a:lstStyle/>
+          <a:p>
+            <a:pPr marL="342900" indent="-342900">
+              <a:buFont typeface="Wingdings" panose="05000000000000000000" pitchFamily="2" charset="2"/>
+              <a:buChar char="§"/>
+            </a:pPr>
+            <a:r>
+              <a:rPr lang="en-US" sz="2000" dirty="0">
+                <a:latin typeface="Arial" panose="020B0604020202020204" pitchFamily="34" charset="0"/>
+                <a:cs typeface="Arial" panose="020B0604020202020204" pitchFamily="34" charset="0"/>
+              </a:rPr>
+              <a:t>Introduction</a:t>
+            </a:r>
+          </a:p>
+          <a:p>
+            <a:pPr marL="342900" indent="-342900">
+              <a:buFont typeface="Wingdings" panose="05000000000000000000" pitchFamily="2" charset="2"/>
+              <a:buChar char="§"/>
+            </a:pPr>
+            <a:endParaRPr lang="en-US" sz="2000" dirty="0">
+              <a:latin typeface="Arial" panose="020B0604020202020204" pitchFamily="34" charset="0"/>
+              <a:cs typeface="Arial" panose="020B0604020202020204" pitchFamily="34" charset="0"/>
+            </a:endParaRPr>
+          </a:p>
+          <a:p>
+            <a:pPr marL="342900" indent="-342900">
+              <a:buFont typeface="Wingdings" panose="05000000000000000000" pitchFamily="2" charset="2"/>
+              <a:buChar char="§"/>
+            </a:pPr>
+            <a:r>
+              <a:rPr lang="en-US" sz="2000" dirty="0">
+                <a:latin typeface="Arial" panose="020B0604020202020204" pitchFamily="34" charset="0"/>
+                <a:cs typeface="Arial" panose="020B0604020202020204" pitchFamily="34" charset="0"/>
+              </a:rPr>
+              <a:t>Literature Review</a:t>
+            </a:r>
+          </a:p>
+          <a:p>
+            <a:pPr marL="342900" indent="-342900">
+              <a:buFont typeface="Wingdings" panose="05000000000000000000" pitchFamily="2" charset="2"/>
+              <a:buChar char="§"/>
+            </a:pPr>
+            <a:endParaRPr lang="en-US" sz="2000" dirty="0">
+              <a:latin typeface="Arial" panose="020B0604020202020204" pitchFamily="34" charset="0"/>
+              <a:cs typeface="Arial" panose="020B0604020202020204" pitchFamily="34" charset="0"/>
+            </a:endParaRPr>
+          </a:p>
+          <a:p>
+            <a:pPr marL="342900" indent="-342900">
+              <a:buFont typeface="Wingdings" panose="05000000000000000000" pitchFamily="2" charset="2"/>
+              <a:buChar char="§"/>
+            </a:pPr>
+            <a:r>
+              <a:rPr lang="en-US" sz="2000" dirty="0">
+                <a:latin typeface="Arial" panose="020B0604020202020204" pitchFamily="34" charset="0"/>
+                <a:cs typeface="Arial" panose="020B0604020202020204" pitchFamily="34" charset="0"/>
+              </a:rPr>
+              <a:t>Objectives</a:t>
+            </a:r>
+          </a:p>
+          <a:p>
+            <a:pPr marL="342900" indent="-342900">
+              <a:buFont typeface="Wingdings" panose="05000000000000000000" pitchFamily="2" charset="2"/>
+              <a:buChar char="§"/>
+            </a:pPr>
+            <a:endParaRPr lang="en-US" sz="2000" dirty="0">
+              <a:latin typeface="Arial" panose="020B0604020202020204" pitchFamily="34" charset="0"/>
+              <a:cs typeface="Arial" panose="020B0604020202020204" pitchFamily="34" charset="0"/>
+            </a:endParaRPr>
+          </a:p>
+          <a:p>
+            <a:pPr marL="342900" indent="-342900">
+              <a:buFont typeface="Wingdings" panose="05000000000000000000" pitchFamily="2" charset="2"/>
+              <a:buChar char="§"/>
+            </a:pPr>
+            <a:r>
+              <a:rPr lang="en-US" sz="2000" dirty="0">
+                <a:latin typeface="Arial" panose="020B0604020202020204" pitchFamily="34" charset="0"/>
+                <a:cs typeface="Arial" panose="020B0604020202020204" pitchFamily="34" charset="0"/>
+              </a:rPr>
+              <a:t>Methodology</a:t>
+            </a:r>
+          </a:p>
+          <a:p>
+            <a:pPr marL="342900" indent="-342900">
+              <a:buFont typeface="Wingdings" panose="05000000000000000000" pitchFamily="2" charset="2"/>
+              <a:buChar char="§"/>
+            </a:pPr>
+            <a:endParaRPr lang="en-US" sz="2000" dirty="0">
+              <a:latin typeface="Arial" panose="020B0604020202020204" pitchFamily="34" charset="0"/>
+              <a:cs typeface="Arial" panose="020B0604020202020204" pitchFamily="34" charset="0"/>
+            </a:endParaRPr>
+          </a:p>
+          <a:p>
+            <a:pPr marL="342900" indent="-342900">
+              <a:buFont typeface="Wingdings" panose="05000000000000000000" pitchFamily="2" charset="2"/>
+              <a:buChar char="§"/>
+            </a:pPr>
+            <a:r>
+              <a:rPr lang="en-US" sz="2000" dirty="0">
+                <a:latin typeface="Arial" panose="020B0604020202020204" pitchFamily="34" charset="0"/>
+                <a:cs typeface="Arial" panose="020B0604020202020204" pitchFamily="34" charset="0"/>
+              </a:rPr>
+              <a:t>Working Model</a:t>
+            </a:r>
+          </a:p>
+          <a:p>
+            <a:pPr marL="342900" indent="-342900">
+              <a:buFont typeface="Wingdings" panose="05000000000000000000" pitchFamily="2" charset="2"/>
+              <a:buChar char="§"/>
+            </a:pPr>
+            <a:endParaRPr lang="en-US" sz="2000" dirty="0">
+              <a:latin typeface="Arial" panose="020B0604020202020204" pitchFamily="34" charset="0"/>
+              <a:cs typeface="Arial" panose="020B0604020202020204" pitchFamily="34" charset="0"/>
+            </a:endParaRPr>
+          </a:p>
+          <a:p>
+            <a:pPr marL="342900" indent="-342900">
+              <a:buFont typeface="Wingdings" panose="05000000000000000000" pitchFamily="2" charset="2"/>
+              <a:buChar char="§"/>
+            </a:pPr>
+            <a:r>
+              <a:rPr lang="en-US" sz="2000" dirty="0">
+                <a:latin typeface="Arial" panose="020B0604020202020204" pitchFamily="34" charset="0"/>
+                <a:cs typeface="Arial" panose="020B0604020202020204" pitchFamily="34" charset="0"/>
+              </a:rPr>
+              <a:t>Results</a:t>
+            </a:r>
+          </a:p>
+          <a:p>
+            <a:endParaRPr lang="en-US" sz="2000" dirty="0">
+              <a:latin typeface="Arial" panose="020B0604020202020204" pitchFamily="34" charset="0"/>
+              <a:cs typeface="Arial" panose="020B0604020202020204" pitchFamily="34" charset="0"/>
+            </a:endParaRPr>
+          </a:p>
+          <a:p>
+            <a:pPr marL="342900" indent="-342900">
+              <a:buFont typeface="Wingdings" panose="05000000000000000000" pitchFamily="2" charset="2"/>
+              <a:buChar char="§"/>
+            </a:pPr>
+            <a:r>
+              <a:rPr lang="en-US" sz="2000" dirty="0">
+                <a:latin typeface="Arial" panose="020B0604020202020204" pitchFamily="34" charset="0"/>
+                <a:cs typeface="Arial" panose="020B0604020202020204" pitchFamily="34" charset="0"/>
+              </a:rPr>
+              <a:t>Conclusions</a:t>
+            </a:r>
+          </a:p>
+          <a:p>
+            <a:pPr marL="342900" indent="-342900">
+              <a:buFont typeface="Wingdings" panose="05000000000000000000" pitchFamily="2" charset="2"/>
+              <a:buChar char="§"/>
+            </a:pPr>
+            <a:endParaRPr lang="en-US" sz="2000" dirty="0">
+              <a:latin typeface="Arial" panose="020B0604020202020204" pitchFamily="34" charset="0"/>
+              <a:cs typeface="Arial" panose="020B0604020202020204" pitchFamily="34" charset="0"/>
+            </a:endParaRPr>
+          </a:p>
+          <a:p>
+            <a:pPr marL="342900" indent="-342900">
+              <a:buFont typeface="Wingdings" panose="05000000000000000000" pitchFamily="2" charset="2"/>
+              <a:buChar char="§"/>
+            </a:pPr>
+            <a:r>
+              <a:rPr lang="en-US" sz="2000" dirty="0">
+                <a:latin typeface="Arial" panose="020B0604020202020204" pitchFamily="34" charset="0"/>
+                <a:cs typeface="Arial" panose="020B0604020202020204" pitchFamily="34" charset="0"/>
+              </a:rPr>
+              <a:t>References </a:t>
+            </a:r>
+          </a:p>
+          <a:p>
+            <a:pPr marL="285750" indent="-285750">
+              <a:buFont typeface="Wingdings" panose="05000000000000000000" pitchFamily="2" charset="2"/>
+              <a:buChar char="§"/>
+            </a:pPr>
+            <a:endParaRPr lang="en-IN" dirty="0">
+              <a:latin typeface="Arial" panose="020B0604020202020204" pitchFamily="34" charset="0"/>
+              <a:cs typeface="Arial" panose="020B0604020202020204" pitchFamily="34" charset="0"/>
+            </a:endParaRPr>
+          </a:p>
+        </p:txBody>
+      </p:sp>
+    </p:spTree>
+    <p:extLst>
+      <p:ext uri="{BB962C8B-B14F-4D97-AF65-F5344CB8AC3E}">
+        <p14:creationId xmlns:p14="http://schemas.microsoft.com/office/powerpoint/2010/main" val="3879729395"/>
+      </p:ext>
+    </p:extLst>
+  </p:cSld>
+  <p:clrMapOvr>
+    <a:masterClrMapping/>
+  </p:clrMapOvr>
+</p:sld>
+</file>
+
+<file path=ppt/slides/slide20.xml><?xml version="1.0" encoding="utf-8"?>
+<p:sld xmlns:a="http://schemas.openxmlformats.org/drawingml/2006/main" xmlns:r="http://schemas.openxmlformats.org/officeDocument/2006/relationships" xmlns:p="http://schemas.openxmlformats.org/presentationml/2006/main">
+  <p:cSld>
+    <p:spTree>
+      <p:nvGrpSpPr>
+        <p:cNvPr id="1" name="">
+          <a:extLst>
+            <a:ext uri="{FF2B5EF4-FFF2-40B4-BE49-F238E27FC236}">
+              <a16:creationId xmlns:a16="http://schemas.microsoft.com/office/drawing/2014/main" id="{F95F768A-0B9E-FE3D-106A-137E206DA9D7}"/>
+            </a:ext>
+          </a:extLst>
+        </p:cNvPr>
+        <p:cNvGrpSpPr/>
+        <p:nvPr/>
+      </p:nvGrpSpPr>
+      <p:grpSpPr>
+        <a:xfrm>
+          <a:off x="0" y="0"/>
+          <a:ext cx="0" cy="0"/>
+          <a:chOff x="0" y="0"/>
+          <a:chExt cx="0" cy="0"/>
+        </a:xfrm>
+      </p:grpSpPr>
+      <p:sp>
+        <p:nvSpPr>
+          <p:cNvPr id="4" name="Rectangle 3">
+            <a:extLst>
+              <a:ext uri="{FF2B5EF4-FFF2-40B4-BE49-F238E27FC236}">
+                <a16:creationId xmlns:a16="http://schemas.microsoft.com/office/drawing/2014/main" id="{5DF2C327-F9FA-D872-1CF6-693001F51659}"/>
+              </a:ext>
+            </a:extLst>
+          </p:cNvPr>
+          <p:cNvSpPr/>
+          <p:nvPr/>
+        </p:nvSpPr>
+        <p:spPr>
+          <a:xfrm>
+            <a:off x="10668000" y="150471"/>
+            <a:ext cx="1381246" cy="682906"/>
+          </a:xfrm>
+          <a:prstGeom prst="rect">
+            <a:avLst/>
+          </a:prstGeom>
+          <a:solidFill>
+            <a:schemeClr val="bg1"/>
+          </a:solidFill>
+          <a:ln>
+            <a:noFill/>
+          </a:ln>
+        </p:spPr>
+        <p:style>
+          <a:lnRef idx="2">
+            <a:schemeClr val="accent1">
+              <a:shade val="50000"/>
+            </a:schemeClr>
+          </a:lnRef>
+          <a:fillRef idx="1">
+            <a:schemeClr val="accent1"/>
+          </a:fillRef>
+          <a:effectRef idx="0">
+            <a:schemeClr val="accent1"/>
+          </a:effectRef>
+          <a:fontRef idx="minor">
+            <a:schemeClr val="lt1"/>
+          </a:fontRef>
+        </p:style>
+        <p:txBody>
+          <a:bodyPr rtlCol="0" anchor="ctr"/>
+          <a:lstStyle/>
+          <a:p>
+            <a:pPr algn="ctr"/>
+            <a:endParaRPr lang="en-US" dirty="0"/>
+          </a:p>
+        </p:txBody>
+      </p:sp>
+      <p:sp>
+        <p:nvSpPr>
+          <p:cNvPr id="8" name="TextBox 7">
+            <a:extLst>
+              <a:ext uri="{FF2B5EF4-FFF2-40B4-BE49-F238E27FC236}">
+                <a16:creationId xmlns:a16="http://schemas.microsoft.com/office/drawing/2014/main" id="{CBC618BA-9886-47C6-9ABA-1034220692AC}"/>
+              </a:ext>
+            </a:extLst>
+          </p:cNvPr>
+          <p:cNvSpPr txBox="1"/>
+          <p:nvPr/>
+        </p:nvSpPr>
+        <p:spPr>
+          <a:xfrm>
+            <a:off x="314908" y="287452"/>
+            <a:ext cx="6097554" cy="584775"/>
+          </a:xfrm>
+          <a:prstGeom prst="rect">
+            <a:avLst/>
+          </a:prstGeom>
+          <a:noFill/>
+        </p:spPr>
+        <p:txBody>
+          <a:bodyPr wrap="square">
+            <a:spAutoFit/>
+          </a:bodyPr>
+          <a:lstStyle/>
+          <a:p>
+            <a:pPr marL="0" marR="0" lvl="0" indent="0" algn="l" defTabSz="914400" rtl="0" eaLnBrk="1" fontAlgn="auto" latinLnBrk="0" hangingPunct="1">
+              <a:lnSpc>
+                <a:spcPct val="100000"/>
+              </a:lnSpc>
+              <a:spcBef>
+                <a:spcPts val="0"/>
+              </a:spcBef>
+              <a:spcAft>
+                <a:spcPts val="0"/>
+              </a:spcAft>
+              <a:buClrTx/>
+              <a:buSzTx/>
+              <a:buFontTx/>
+              <a:buNone/>
+              <a:tabLst/>
+              <a:defRPr/>
+            </a:pPr>
+            <a:r>
+              <a:rPr lang="en-US" sz="3200" b="1" dirty="0">
+                <a:solidFill>
+                  <a:srgbClr val="46B0FA"/>
+                </a:solidFill>
+                <a:latin typeface="Arial" panose="020B0604020202020204" pitchFamily="34" charset="0"/>
+                <a:cs typeface="Arial" panose="020B0604020202020204" pitchFamily="34" charset="0"/>
+              </a:rPr>
+              <a:t>Results</a:t>
+            </a:r>
+            <a:endParaRPr kumimoji="0" lang="en-IN" sz="3200" b="1" i="0" u="none" strike="noStrike" kern="1200" cap="none" spc="0" normalizeH="0" baseline="0" noProof="0" dirty="0">
+              <a:ln>
+                <a:noFill/>
+              </a:ln>
+              <a:solidFill>
+                <a:srgbClr val="46B0FA"/>
+              </a:solidFill>
+              <a:effectLst/>
+              <a:uLnTx/>
+              <a:uFillTx/>
+              <a:latin typeface="Arial" panose="020B0604020202020204" pitchFamily="34" charset="0"/>
+              <a:ea typeface="+mn-ea"/>
+              <a:cs typeface="Arial" panose="020B0604020202020204" pitchFamily="34" charset="0"/>
+            </a:endParaRPr>
+          </a:p>
+        </p:txBody>
+      </p:sp>
+      <p:pic>
+        <p:nvPicPr>
+          <p:cNvPr id="5" name="Picture 4">
+            <a:extLst>
+              <a:ext uri="{FF2B5EF4-FFF2-40B4-BE49-F238E27FC236}">
+                <a16:creationId xmlns:a16="http://schemas.microsoft.com/office/drawing/2014/main" id="{D686795B-FE6D-0655-3D84-192402423204}"/>
+              </a:ext>
+            </a:extLst>
+          </p:cNvPr>
+          <p:cNvPicPr>
+            <a:picLocks noChangeAspect="1"/>
+          </p:cNvPicPr>
+          <p:nvPr/>
+        </p:nvPicPr>
+        <p:blipFill>
+          <a:blip r:embed="rId2"/>
+          <a:stretch>
+            <a:fillRect/>
+          </a:stretch>
+        </p:blipFill>
+        <p:spPr>
+          <a:xfrm>
+            <a:off x="1455575" y="840500"/>
+            <a:ext cx="9770025" cy="5867029"/>
+          </a:xfrm>
+          <a:prstGeom prst="rect">
+            <a:avLst/>
+          </a:prstGeom>
+        </p:spPr>
+      </p:pic>
+    </p:spTree>
+    <p:extLst>
+      <p:ext uri="{BB962C8B-B14F-4D97-AF65-F5344CB8AC3E}">
+        <p14:creationId xmlns:p14="http://schemas.microsoft.com/office/powerpoint/2010/main" val="4041397491"/>
+      </p:ext>
+    </p:extLst>
+  </p:cSld>
+  <p:clrMapOvr>
+    <a:masterClrMapping/>
+  </p:clrMapOvr>
+</p:sld>
+</file>
+
+<file path=ppt/slides/slide21.xml><?xml version="1.0" encoding="utf-8"?>
+<p:sld xmlns:a="http://schemas.openxmlformats.org/drawingml/2006/main" xmlns:r="http://schemas.openxmlformats.org/officeDocument/2006/relationships" xmlns:p="http://schemas.openxmlformats.org/presentationml/2006/main">
+  <p:cSld>
+    <p:spTree>
+      <p:nvGrpSpPr>
+        <p:cNvPr id="1" name="">
+          <a:extLst>
+            <a:ext uri="{FF2B5EF4-FFF2-40B4-BE49-F238E27FC236}">
+              <a16:creationId xmlns:a16="http://schemas.microsoft.com/office/drawing/2014/main" id="{EAB3A061-980D-0643-3529-6C0C96EE35EA}"/>
+            </a:ext>
+          </a:extLst>
+        </p:cNvPr>
+        <p:cNvGrpSpPr/>
+        <p:nvPr/>
+      </p:nvGrpSpPr>
+      <p:grpSpPr>
+        <a:xfrm>
+          <a:off x="0" y="0"/>
+          <a:ext cx="0" cy="0"/>
+          <a:chOff x="0" y="0"/>
+          <a:chExt cx="0" cy="0"/>
+        </a:xfrm>
+      </p:grpSpPr>
+      <p:sp>
+        <p:nvSpPr>
+          <p:cNvPr id="4" name="Rectangle 3">
+            <a:extLst>
+              <a:ext uri="{FF2B5EF4-FFF2-40B4-BE49-F238E27FC236}">
+                <a16:creationId xmlns:a16="http://schemas.microsoft.com/office/drawing/2014/main" id="{837F1DDC-99E9-F56A-1C3F-8582522BF09C}"/>
+              </a:ext>
+            </a:extLst>
+          </p:cNvPr>
+          <p:cNvSpPr/>
+          <p:nvPr/>
+        </p:nvSpPr>
+        <p:spPr>
+          <a:xfrm>
+            <a:off x="10668000" y="150471"/>
+            <a:ext cx="1381246" cy="682906"/>
+          </a:xfrm>
+          <a:prstGeom prst="rect">
+            <a:avLst/>
+          </a:prstGeom>
+          <a:solidFill>
+            <a:schemeClr val="bg1"/>
+          </a:solidFill>
+          <a:ln>
+            <a:noFill/>
+          </a:ln>
+        </p:spPr>
+        <p:style>
+          <a:lnRef idx="2">
+            <a:schemeClr val="accent1">
+              <a:shade val="50000"/>
+            </a:schemeClr>
+          </a:lnRef>
+          <a:fillRef idx="1">
+            <a:schemeClr val="accent1"/>
+          </a:fillRef>
+          <a:effectRef idx="0">
+            <a:schemeClr val="accent1"/>
+          </a:effectRef>
+          <a:fontRef idx="minor">
+            <a:schemeClr val="lt1"/>
+          </a:fontRef>
+        </p:style>
+        <p:txBody>
+          <a:bodyPr rtlCol="0" anchor="ctr"/>
+          <a:lstStyle/>
+          <a:p>
+            <a:pPr algn="ctr"/>
+            <a:endParaRPr lang="en-US" dirty="0"/>
+          </a:p>
+        </p:txBody>
+      </p:sp>
+      <p:sp>
+        <p:nvSpPr>
+          <p:cNvPr id="8" name="TextBox 7">
+            <a:extLst>
+              <a:ext uri="{FF2B5EF4-FFF2-40B4-BE49-F238E27FC236}">
+                <a16:creationId xmlns:a16="http://schemas.microsoft.com/office/drawing/2014/main" id="{D57E1807-0922-A525-95CF-F3D7B412A2D6}"/>
+              </a:ext>
+            </a:extLst>
+          </p:cNvPr>
+          <p:cNvSpPr txBox="1"/>
+          <p:nvPr/>
+        </p:nvSpPr>
+        <p:spPr>
+          <a:xfrm>
+            <a:off x="314908" y="287452"/>
+            <a:ext cx="6097554" cy="584775"/>
+          </a:xfrm>
+          <a:prstGeom prst="rect">
+            <a:avLst/>
+          </a:prstGeom>
+          <a:noFill/>
+        </p:spPr>
+        <p:txBody>
+          <a:bodyPr wrap="square">
+            <a:spAutoFit/>
+          </a:bodyPr>
+          <a:lstStyle/>
+          <a:p>
+            <a:pPr marL="0" marR="0" lvl="0" indent="0" algn="l" defTabSz="914400" rtl="0" eaLnBrk="1" fontAlgn="auto" latinLnBrk="0" hangingPunct="1">
+              <a:lnSpc>
+                <a:spcPct val="100000"/>
+              </a:lnSpc>
+              <a:spcBef>
+                <a:spcPts val="0"/>
+              </a:spcBef>
+              <a:spcAft>
+                <a:spcPts val="0"/>
+              </a:spcAft>
+              <a:buClrTx/>
+              <a:buSzTx/>
+              <a:buFontTx/>
+              <a:buNone/>
+              <a:tabLst/>
+              <a:defRPr/>
+            </a:pPr>
+            <a:r>
+              <a:rPr lang="en-US" sz="3200" b="1" dirty="0">
+                <a:solidFill>
+                  <a:srgbClr val="46B0FA"/>
+                </a:solidFill>
+                <a:latin typeface="Arial" panose="020B0604020202020204" pitchFamily="34" charset="0"/>
+                <a:cs typeface="Arial" panose="020B0604020202020204" pitchFamily="34" charset="0"/>
+              </a:rPr>
+              <a:t>Results</a:t>
+            </a:r>
+            <a:endParaRPr kumimoji="0" lang="en-IN" sz="3200" b="1" i="0" u="none" strike="noStrike" kern="1200" cap="none" spc="0" normalizeH="0" baseline="0" noProof="0" dirty="0">
+              <a:ln>
+                <a:noFill/>
+              </a:ln>
+              <a:solidFill>
+                <a:srgbClr val="46B0FA"/>
+              </a:solidFill>
+              <a:effectLst/>
+              <a:uLnTx/>
+              <a:uFillTx/>
+              <a:latin typeface="Arial" panose="020B0604020202020204" pitchFamily="34" charset="0"/>
+              <a:ea typeface="+mn-ea"/>
+              <a:cs typeface="Arial" panose="020B0604020202020204" pitchFamily="34" charset="0"/>
+            </a:endParaRPr>
+          </a:p>
+        </p:txBody>
+      </p:sp>
+      <p:pic>
+        <p:nvPicPr>
+          <p:cNvPr id="5" name="Picture 4">
+            <a:extLst>
+              <a:ext uri="{FF2B5EF4-FFF2-40B4-BE49-F238E27FC236}">
+                <a16:creationId xmlns:a16="http://schemas.microsoft.com/office/drawing/2014/main" id="{95CAA0AF-8E4A-9A6E-C2AD-CD16C94E79E3}"/>
+              </a:ext>
+            </a:extLst>
+          </p:cNvPr>
+          <p:cNvPicPr>
+            <a:picLocks noChangeAspect="1"/>
+          </p:cNvPicPr>
+          <p:nvPr/>
+        </p:nvPicPr>
+        <p:blipFill>
+          <a:blip r:embed="rId2"/>
+          <a:stretch>
+            <a:fillRect/>
+          </a:stretch>
+        </p:blipFill>
+        <p:spPr>
+          <a:xfrm>
+            <a:off x="856519" y="1023602"/>
+            <a:ext cx="10478962" cy="4810796"/>
+          </a:xfrm>
+          <a:prstGeom prst="rect">
+            <a:avLst/>
+          </a:prstGeom>
+        </p:spPr>
+      </p:pic>
+    </p:spTree>
+    <p:extLst>
+      <p:ext uri="{BB962C8B-B14F-4D97-AF65-F5344CB8AC3E}">
+        <p14:creationId xmlns:p14="http://schemas.microsoft.com/office/powerpoint/2010/main" val="1114585991"/>
+      </p:ext>
+    </p:extLst>
+  </p:cSld>
+  <p:clrMapOvr>
+    <a:masterClrMapping/>
+  </p:clrMapOvr>
+</p:sld>
+</file>
+
+<file path=ppt/slides/slide22.xml><?xml version="1.0" encoding="utf-8"?>
+<p:sld xmlns:a="http://schemas.openxmlformats.org/drawingml/2006/main" xmlns:r="http://schemas.openxmlformats.org/officeDocument/2006/relationships" xmlns:p="http://schemas.openxmlformats.org/presentationml/2006/main">
+  <p:cSld>
+    <p:spTree>
+      <p:nvGrpSpPr>
+        <p:cNvPr id="1" name="">
+          <a:extLst>
+            <a:ext uri="{FF2B5EF4-FFF2-40B4-BE49-F238E27FC236}">
+              <a16:creationId xmlns:a16="http://schemas.microsoft.com/office/drawing/2014/main" id="{F011B5F2-E37B-5B64-711B-FB4819996B23}"/>
+            </a:ext>
+          </a:extLst>
+        </p:cNvPr>
+        <p:cNvGrpSpPr/>
+        <p:nvPr/>
+      </p:nvGrpSpPr>
+      <p:grpSpPr>
+        <a:xfrm>
+          <a:off x="0" y="0"/>
+          <a:ext cx="0" cy="0"/>
+          <a:chOff x="0" y="0"/>
+          <a:chExt cx="0" cy="0"/>
+        </a:xfrm>
+      </p:grpSpPr>
+      <p:sp>
+        <p:nvSpPr>
+          <p:cNvPr id="4" name="Rectangle 3">
+            <a:extLst>
+              <a:ext uri="{FF2B5EF4-FFF2-40B4-BE49-F238E27FC236}">
+                <a16:creationId xmlns:a16="http://schemas.microsoft.com/office/drawing/2014/main" id="{94CCFC93-6968-BC6B-4F88-2EC78702423B}"/>
+              </a:ext>
+            </a:extLst>
+          </p:cNvPr>
+          <p:cNvSpPr/>
+          <p:nvPr/>
+        </p:nvSpPr>
+        <p:spPr>
+          <a:xfrm>
+            <a:off x="10668000" y="150471"/>
+            <a:ext cx="1381246" cy="682906"/>
+          </a:xfrm>
+          <a:prstGeom prst="rect">
+            <a:avLst/>
+          </a:prstGeom>
+          <a:solidFill>
+            <a:schemeClr val="bg1"/>
+          </a:solidFill>
+          <a:ln>
+            <a:noFill/>
+          </a:ln>
+        </p:spPr>
+        <p:style>
+          <a:lnRef idx="2">
+            <a:schemeClr val="accent1">
+              <a:shade val="50000"/>
+            </a:schemeClr>
+          </a:lnRef>
+          <a:fillRef idx="1">
+            <a:schemeClr val="accent1"/>
+          </a:fillRef>
+          <a:effectRef idx="0">
+            <a:schemeClr val="accent1"/>
+          </a:effectRef>
+          <a:fontRef idx="minor">
+            <a:schemeClr val="lt1"/>
+          </a:fontRef>
+        </p:style>
+        <p:txBody>
+          <a:bodyPr rtlCol="0" anchor="ctr"/>
+          <a:lstStyle/>
+          <a:p>
+            <a:pPr algn="ctr"/>
+            <a:endParaRPr lang="en-US" dirty="0"/>
+          </a:p>
+        </p:txBody>
+      </p:sp>
+      <p:sp>
+        <p:nvSpPr>
+          <p:cNvPr id="8" name="TextBox 7">
+            <a:extLst>
+              <a:ext uri="{FF2B5EF4-FFF2-40B4-BE49-F238E27FC236}">
+                <a16:creationId xmlns:a16="http://schemas.microsoft.com/office/drawing/2014/main" id="{6951BEDA-0552-6ADA-5270-83655C3FE17F}"/>
+              </a:ext>
+            </a:extLst>
+          </p:cNvPr>
+          <p:cNvSpPr txBox="1"/>
+          <p:nvPr/>
+        </p:nvSpPr>
+        <p:spPr>
+          <a:xfrm>
+            <a:off x="314908" y="287452"/>
+            <a:ext cx="6097554" cy="584775"/>
+          </a:xfrm>
+          <a:prstGeom prst="rect">
+            <a:avLst/>
+          </a:prstGeom>
+          <a:noFill/>
+        </p:spPr>
+        <p:txBody>
+          <a:bodyPr wrap="square">
+            <a:spAutoFit/>
+          </a:bodyPr>
+          <a:lstStyle/>
+          <a:p>
+            <a:pPr marL="0" marR="0" lvl="0" indent="0" algn="l" defTabSz="914400" rtl="0" eaLnBrk="1" fontAlgn="auto" latinLnBrk="0" hangingPunct="1">
+              <a:lnSpc>
+                <a:spcPct val="100000"/>
+              </a:lnSpc>
+              <a:spcBef>
+                <a:spcPts val="0"/>
+              </a:spcBef>
+              <a:spcAft>
+                <a:spcPts val="0"/>
+              </a:spcAft>
+              <a:buClrTx/>
+              <a:buSzTx/>
+              <a:buFontTx/>
+              <a:buNone/>
+              <a:tabLst/>
+              <a:defRPr/>
+            </a:pPr>
+            <a:r>
+              <a:rPr lang="en-US" sz="3200" b="1" dirty="0">
+                <a:solidFill>
+                  <a:srgbClr val="46B0FA"/>
+                </a:solidFill>
+                <a:latin typeface="Arial" panose="020B0604020202020204" pitchFamily="34" charset="0"/>
+                <a:cs typeface="Arial" panose="020B0604020202020204" pitchFamily="34" charset="0"/>
+              </a:rPr>
+              <a:t>Results</a:t>
+            </a:r>
+            <a:endParaRPr kumimoji="0" lang="en-IN" sz="3200" b="1" i="0" u="none" strike="noStrike" kern="1200" cap="none" spc="0" normalizeH="0" baseline="0" noProof="0" dirty="0">
+              <a:ln>
+                <a:noFill/>
+              </a:ln>
+              <a:solidFill>
+                <a:srgbClr val="46B0FA"/>
+              </a:solidFill>
+              <a:effectLst/>
+              <a:uLnTx/>
+              <a:uFillTx/>
+              <a:latin typeface="Arial" panose="020B0604020202020204" pitchFamily="34" charset="0"/>
+              <a:ea typeface="+mn-ea"/>
+              <a:cs typeface="Arial" panose="020B0604020202020204" pitchFamily="34" charset="0"/>
+            </a:endParaRPr>
+          </a:p>
+        </p:txBody>
+      </p:sp>
+      <p:pic>
+        <p:nvPicPr>
+          <p:cNvPr id="3" name="Picture 2">
+            <a:extLst>
+              <a:ext uri="{FF2B5EF4-FFF2-40B4-BE49-F238E27FC236}">
+                <a16:creationId xmlns:a16="http://schemas.microsoft.com/office/drawing/2014/main" id="{24F7EA14-6E4B-8523-4774-B60F41FCE6A3}"/>
+              </a:ext>
+            </a:extLst>
+          </p:cNvPr>
+          <p:cNvPicPr>
+            <a:picLocks noChangeAspect="1"/>
+          </p:cNvPicPr>
+          <p:nvPr/>
+        </p:nvPicPr>
+        <p:blipFill>
+          <a:blip r:embed="rId2"/>
+          <a:stretch>
+            <a:fillRect/>
+          </a:stretch>
+        </p:blipFill>
+        <p:spPr>
+          <a:xfrm>
+            <a:off x="735030" y="981973"/>
+            <a:ext cx="10550794" cy="5316190"/>
+          </a:xfrm>
+          <a:prstGeom prst="rect">
+            <a:avLst/>
+          </a:prstGeom>
+        </p:spPr>
+      </p:pic>
+    </p:spTree>
+    <p:extLst>
+      <p:ext uri="{BB962C8B-B14F-4D97-AF65-F5344CB8AC3E}">
+        <p14:creationId xmlns:p14="http://schemas.microsoft.com/office/powerpoint/2010/main" val="3514290303"/>
+      </p:ext>
+    </p:extLst>
+  </p:cSld>
+  <p:clrMapOvr>
+    <a:masterClrMapping/>
+  </p:clrMapOvr>
+</p:sld>
+</file>
+
+<file path=ppt/slides/slide23.xml><?xml version="1.0" encoding="utf-8"?>
+<p:sld xmlns:a="http://schemas.openxmlformats.org/drawingml/2006/main" xmlns:r="http://schemas.openxmlformats.org/officeDocument/2006/relationships" xmlns:p="http://schemas.openxmlformats.org/presentationml/2006/main">
+  <p:cSld>
+    <p:spTree>
+      <p:nvGrpSpPr>
+        <p:cNvPr id="1" name="">
+          <a:extLst>
+            <a:ext uri="{FF2B5EF4-FFF2-40B4-BE49-F238E27FC236}">
+              <a16:creationId xmlns:a16="http://schemas.microsoft.com/office/drawing/2014/main" id="{9AA79293-2474-5D25-3DD9-785A3255279C}"/>
+            </a:ext>
+          </a:extLst>
+        </p:cNvPr>
+        <p:cNvGrpSpPr/>
+        <p:nvPr/>
+      </p:nvGrpSpPr>
+      <p:grpSpPr>
+        <a:xfrm>
+          <a:off x="0" y="0"/>
+          <a:ext cx="0" cy="0"/>
+          <a:chOff x="0" y="0"/>
+          <a:chExt cx="0" cy="0"/>
+        </a:xfrm>
+      </p:grpSpPr>
+      <p:sp>
+        <p:nvSpPr>
+          <p:cNvPr id="4" name="Rectangle 3">
+            <a:extLst>
+              <a:ext uri="{FF2B5EF4-FFF2-40B4-BE49-F238E27FC236}">
+                <a16:creationId xmlns:a16="http://schemas.microsoft.com/office/drawing/2014/main" id="{D1CD2DEA-1A75-4C03-43EE-69DBC6CC9E03}"/>
+              </a:ext>
+            </a:extLst>
+          </p:cNvPr>
+          <p:cNvSpPr/>
+          <p:nvPr/>
+        </p:nvSpPr>
+        <p:spPr>
+          <a:xfrm>
+            <a:off x="10668000" y="150471"/>
+            <a:ext cx="1381246" cy="682906"/>
+          </a:xfrm>
+          <a:prstGeom prst="rect">
+            <a:avLst/>
+          </a:prstGeom>
+          <a:solidFill>
+            <a:schemeClr val="bg1"/>
+          </a:solidFill>
+          <a:ln>
+            <a:noFill/>
+          </a:ln>
+        </p:spPr>
+        <p:style>
+          <a:lnRef idx="2">
+            <a:schemeClr val="accent1">
+              <a:shade val="50000"/>
+            </a:schemeClr>
+          </a:lnRef>
+          <a:fillRef idx="1">
+            <a:schemeClr val="accent1"/>
+          </a:fillRef>
+          <a:effectRef idx="0">
+            <a:schemeClr val="accent1"/>
+          </a:effectRef>
+          <a:fontRef idx="minor">
+            <a:schemeClr val="lt1"/>
+          </a:fontRef>
+        </p:style>
+        <p:txBody>
+          <a:bodyPr rtlCol="0" anchor="ctr"/>
+          <a:lstStyle/>
+          <a:p>
+            <a:pPr algn="ctr"/>
+            <a:endParaRPr lang="en-US" dirty="0"/>
+          </a:p>
+        </p:txBody>
+      </p:sp>
+      <p:sp>
+        <p:nvSpPr>
+          <p:cNvPr id="8" name="TextBox 7">
+            <a:extLst>
+              <a:ext uri="{FF2B5EF4-FFF2-40B4-BE49-F238E27FC236}">
+                <a16:creationId xmlns:a16="http://schemas.microsoft.com/office/drawing/2014/main" id="{2CB0471B-2FBF-8FF3-1BE6-A8C49F83B436}"/>
+              </a:ext>
+            </a:extLst>
+          </p:cNvPr>
+          <p:cNvSpPr txBox="1"/>
+          <p:nvPr/>
+        </p:nvSpPr>
+        <p:spPr>
+          <a:xfrm>
+            <a:off x="314908" y="287452"/>
+            <a:ext cx="6097554" cy="584775"/>
+          </a:xfrm>
+          <a:prstGeom prst="rect">
+            <a:avLst/>
+          </a:prstGeom>
+          <a:noFill/>
+        </p:spPr>
+        <p:txBody>
+          <a:bodyPr wrap="square">
+            <a:spAutoFit/>
+          </a:bodyPr>
+          <a:lstStyle/>
+          <a:p>
+            <a:pPr marL="0" marR="0" lvl="0" indent="0" algn="l" defTabSz="914400" rtl="0" eaLnBrk="1" fontAlgn="auto" latinLnBrk="0" hangingPunct="1">
+              <a:lnSpc>
+                <a:spcPct val="100000"/>
+              </a:lnSpc>
+              <a:spcBef>
+                <a:spcPts val="0"/>
+              </a:spcBef>
+              <a:spcAft>
+                <a:spcPts val="0"/>
+              </a:spcAft>
+              <a:buClrTx/>
+              <a:buSzTx/>
+              <a:buFontTx/>
+              <a:buNone/>
+              <a:tabLst/>
+              <a:defRPr/>
+            </a:pPr>
+            <a:r>
+              <a:rPr lang="en-US" sz="3200" b="1" dirty="0">
+                <a:solidFill>
+                  <a:srgbClr val="46B0FA"/>
+                </a:solidFill>
+                <a:latin typeface="Arial" panose="020B0604020202020204" pitchFamily="34" charset="0"/>
+                <a:cs typeface="Arial" panose="020B0604020202020204" pitchFamily="34" charset="0"/>
+              </a:rPr>
+              <a:t>Results</a:t>
+            </a:r>
+            <a:endParaRPr kumimoji="0" lang="en-IN" sz="3200" b="1" i="0" u="none" strike="noStrike" kern="1200" cap="none" spc="0" normalizeH="0" baseline="0" noProof="0" dirty="0">
+              <a:ln>
+                <a:noFill/>
+              </a:ln>
+              <a:solidFill>
+                <a:srgbClr val="46B0FA"/>
+              </a:solidFill>
+              <a:effectLst/>
+              <a:uLnTx/>
+              <a:uFillTx/>
+              <a:latin typeface="Arial" panose="020B0604020202020204" pitchFamily="34" charset="0"/>
+              <a:ea typeface="+mn-ea"/>
+              <a:cs typeface="Arial" panose="020B0604020202020204" pitchFamily="34" charset="0"/>
+            </a:endParaRPr>
+          </a:p>
+        </p:txBody>
+      </p:sp>
+      <p:pic>
+        <p:nvPicPr>
+          <p:cNvPr id="5" name="Picture 4">
+            <a:extLst>
+              <a:ext uri="{FF2B5EF4-FFF2-40B4-BE49-F238E27FC236}">
+                <a16:creationId xmlns:a16="http://schemas.microsoft.com/office/drawing/2014/main" id="{182B0306-25EE-A4EF-E021-424D40D42D6F}"/>
+              </a:ext>
+            </a:extLst>
+          </p:cNvPr>
+          <p:cNvPicPr>
+            <a:picLocks noChangeAspect="1"/>
+          </p:cNvPicPr>
+          <p:nvPr/>
+        </p:nvPicPr>
+        <p:blipFill>
+          <a:blip r:embed="rId2"/>
+          <a:stretch>
+            <a:fillRect/>
+          </a:stretch>
+        </p:blipFill>
+        <p:spPr>
+          <a:xfrm>
+            <a:off x="575492" y="948629"/>
+            <a:ext cx="11041016" cy="3934374"/>
+          </a:xfrm>
+          <a:prstGeom prst="rect">
+            <a:avLst/>
+          </a:prstGeom>
+        </p:spPr>
+      </p:pic>
+    </p:spTree>
+    <p:extLst>
+      <p:ext uri="{BB962C8B-B14F-4D97-AF65-F5344CB8AC3E}">
+        <p14:creationId xmlns:p14="http://schemas.microsoft.com/office/powerpoint/2010/main" val="3078031075"/>
+      </p:ext>
+    </p:extLst>
+  </p:cSld>
+  <p:clrMapOvr>
+    <a:masterClrMapping/>
+  </p:clrMapOvr>
+</p:sld>
+</file>
+
+<file path=ppt/slides/slide24.xml><?xml version="1.0" encoding="utf-8"?>
+<p:sld xmlns:a="http://schemas.openxmlformats.org/drawingml/2006/main" xmlns:r="http://schemas.openxmlformats.org/officeDocument/2006/relationships" xmlns:p="http://schemas.openxmlformats.org/presentationml/2006/main">
+  <p:cSld>
+    <p:spTree>
+      <p:nvGrpSpPr>
+        <p:cNvPr id="1" name="">
+          <a:extLst>
+            <a:ext uri="{FF2B5EF4-FFF2-40B4-BE49-F238E27FC236}">
+              <a16:creationId xmlns:a16="http://schemas.microsoft.com/office/drawing/2014/main" id="{429BD559-C445-E95A-65E5-CEFBA65425DC}"/>
+            </a:ext>
+          </a:extLst>
+        </p:cNvPr>
+        <p:cNvGrpSpPr/>
+        <p:nvPr/>
+      </p:nvGrpSpPr>
+      <p:grpSpPr>
+        <a:xfrm>
+          <a:off x="0" y="0"/>
+          <a:ext cx="0" cy="0"/>
+          <a:chOff x="0" y="0"/>
+          <a:chExt cx="0" cy="0"/>
+        </a:xfrm>
+      </p:grpSpPr>
+      <p:sp>
+        <p:nvSpPr>
+          <p:cNvPr id="4" name="Rectangle 3">
+            <a:extLst>
+              <a:ext uri="{FF2B5EF4-FFF2-40B4-BE49-F238E27FC236}">
+                <a16:creationId xmlns:a16="http://schemas.microsoft.com/office/drawing/2014/main" id="{FF14F134-90AE-91DD-2375-B8980CA65248}"/>
+              </a:ext>
+            </a:extLst>
+          </p:cNvPr>
+          <p:cNvSpPr/>
+          <p:nvPr/>
+        </p:nvSpPr>
+        <p:spPr>
+          <a:xfrm>
+            <a:off x="10668000" y="150471"/>
+            <a:ext cx="1381246" cy="682906"/>
+          </a:xfrm>
+          <a:prstGeom prst="rect">
+            <a:avLst/>
+          </a:prstGeom>
+          <a:solidFill>
+            <a:schemeClr val="bg1"/>
+          </a:solidFill>
+          <a:ln>
+            <a:noFill/>
+          </a:ln>
+        </p:spPr>
+        <p:style>
+          <a:lnRef idx="2">
+            <a:schemeClr val="accent1">
+              <a:shade val="50000"/>
+            </a:schemeClr>
+          </a:lnRef>
+          <a:fillRef idx="1">
+            <a:schemeClr val="accent1"/>
+          </a:fillRef>
+          <a:effectRef idx="0">
+            <a:schemeClr val="accent1"/>
+          </a:effectRef>
+          <a:fontRef idx="minor">
+            <a:schemeClr val="lt1"/>
+          </a:fontRef>
+        </p:style>
+        <p:txBody>
+          <a:bodyPr rtlCol="0" anchor="ctr"/>
+          <a:lstStyle/>
+          <a:p>
+            <a:pPr algn="ctr"/>
+            <a:endParaRPr lang="en-US" dirty="0"/>
+          </a:p>
+        </p:txBody>
+      </p:sp>
+      <p:sp>
+        <p:nvSpPr>
+          <p:cNvPr id="8" name="TextBox 7">
+            <a:extLst>
+              <a:ext uri="{FF2B5EF4-FFF2-40B4-BE49-F238E27FC236}">
+                <a16:creationId xmlns:a16="http://schemas.microsoft.com/office/drawing/2014/main" id="{CB7DC912-6602-F4F8-06CC-07571EE700CA}"/>
+              </a:ext>
+            </a:extLst>
+          </p:cNvPr>
+          <p:cNvSpPr txBox="1"/>
+          <p:nvPr/>
+        </p:nvSpPr>
+        <p:spPr>
+          <a:xfrm>
+            <a:off x="314908" y="287452"/>
+            <a:ext cx="6097554" cy="584775"/>
+          </a:xfrm>
+          <a:prstGeom prst="rect">
+            <a:avLst/>
+          </a:prstGeom>
+          <a:noFill/>
+        </p:spPr>
+        <p:txBody>
+          <a:bodyPr wrap="square">
+            <a:spAutoFit/>
+          </a:bodyPr>
+          <a:lstStyle/>
+          <a:p>
+            <a:pPr marL="0" marR="0" lvl="0" indent="0" algn="l" defTabSz="914400" rtl="0" eaLnBrk="1" fontAlgn="auto" latinLnBrk="0" hangingPunct="1">
+              <a:lnSpc>
+                <a:spcPct val="100000"/>
+              </a:lnSpc>
+              <a:spcBef>
+                <a:spcPts val="0"/>
+              </a:spcBef>
+              <a:spcAft>
+                <a:spcPts val="0"/>
+              </a:spcAft>
+              <a:buClrTx/>
+              <a:buSzTx/>
+              <a:buFontTx/>
+              <a:buNone/>
+              <a:tabLst/>
+              <a:defRPr/>
+            </a:pPr>
+            <a:r>
+              <a:rPr lang="en-US" sz="3200" b="1" dirty="0">
+                <a:solidFill>
+                  <a:srgbClr val="46B0FA"/>
+                </a:solidFill>
+                <a:latin typeface="Arial" panose="020B0604020202020204" pitchFamily="34" charset="0"/>
+                <a:cs typeface="Arial" panose="020B0604020202020204" pitchFamily="34" charset="0"/>
+              </a:rPr>
+              <a:t>Results</a:t>
+            </a:r>
+            <a:endParaRPr kumimoji="0" lang="en-IN" sz="3200" b="1" i="0" u="none" strike="noStrike" kern="1200" cap="none" spc="0" normalizeH="0" baseline="0" noProof="0" dirty="0">
+              <a:ln>
+                <a:noFill/>
+              </a:ln>
+              <a:solidFill>
+                <a:srgbClr val="46B0FA"/>
+              </a:solidFill>
+              <a:effectLst/>
+              <a:uLnTx/>
+              <a:uFillTx/>
+              <a:latin typeface="Arial" panose="020B0604020202020204" pitchFamily="34" charset="0"/>
+              <a:ea typeface="+mn-ea"/>
+              <a:cs typeface="Arial" panose="020B0604020202020204" pitchFamily="34" charset="0"/>
+            </a:endParaRPr>
+          </a:p>
+        </p:txBody>
+      </p:sp>
+      <p:pic>
+        <p:nvPicPr>
+          <p:cNvPr id="3" name="Picture 2">
+            <a:extLst>
+              <a:ext uri="{FF2B5EF4-FFF2-40B4-BE49-F238E27FC236}">
+                <a16:creationId xmlns:a16="http://schemas.microsoft.com/office/drawing/2014/main" id="{B201BB63-2C41-4C01-0CD3-729777D6B5E2}"/>
+              </a:ext>
+            </a:extLst>
+          </p:cNvPr>
+          <p:cNvPicPr>
+            <a:picLocks noChangeAspect="1"/>
+          </p:cNvPicPr>
+          <p:nvPr/>
+        </p:nvPicPr>
+        <p:blipFill>
+          <a:blip r:embed="rId2"/>
+          <a:stretch>
+            <a:fillRect/>
+          </a:stretch>
+        </p:blipFill>
+        <p:spPr>
+          <a:xfrm>
+            <a:off x="332570" y="1190638"/>
+            <a:ext cx="11526859" cy="3991532"/>
+          </a:xfrm>
+          <a:prstGeom prst="rect">
+            <a:avLst/>
+          </a:prstGeom>
+        </p:spPr>
+      </p:pic>
+    </p:spTree>
+    <p:extLst>
+      <p:ext uri="{BB962C8B-B14F-4D97-AF65-F5344CB8AC3E}">
+        <p14:creationId xmlns:p14="http://schemas.microsoft.com/office/powerpoint/2010/main" val="1876636705"/>
+      </p:ext>
+    </p:extLst>
+  </p:cSld>
+  <p:clrMapOvr>
+    <a:masterClrMapping/>
+  </p:clrMapOvr>
+</p:sld>
+</file>
+
+<file path=ppt/slides/slide25.xml><?xml version="1.0" encoding="utf-8"?>
+<p:sld xmlns:a="http://schemas.openxmlformats.org/drawingml/2006/main" xmlns:r="http://schemas.openxmlformats.org/officeDocument/2006/relationships" xmlns:p="http://schemas.openxmlformats.org/presentationml/2006/main">
+  <p:cSld>
+    <p:spTree>
+      <p:nvGrpSpPr>
+        <p:cNvPr id="1" name="">
+          <a:extLst>
+            <a:ext uri="{FF2B5EF4-FFF2-40B4-BE49-F238E27FC236}">
+              <a16:creationId xmlns:a16="http://schemas.microsoft.com/office/drawing/2014/main" id="{071EA605-54BB-085C-3263-5EB6251D6151}"/>
+            </a:ext>
+          </a:extLst>
+        </p:cNvPr>
+        <p:cNvGrpSpPr/>
+        <p:nvPr/>
+      </p:nvGrpSpPr>
+      <p:grpSpPr>
+        <a:xfrm>
+          <a:off x="0" y="0"/>
+          <a:ext cx="0" cy="0"/>
+          <a:chOff x="0" y="0"/>
+          <a:chExt cx="0" cy="0"/>
+        </a:xfrm>
+      </p:grpSpPr>
+      <p:sp>
+        <p:nvSpPr>
+          <p:cNvPr id="4" name="Rectangle 3">
+            <a:extLst>
+              <a:ext uri="{FF2B5EF4-FFF2-40B4-BE49-F238E27FC236}">
+                <a16:creationId xmlns:a16="http://schemas.microsoft.com/office/drawing/2014/main" id="{E88BE702-1FDA-4AF0-6138-FB2AA648E122}"/>
+              </a:ext>
+            </a:extLst>
+          </p:cNvPr>
+          <p:cNvSpPr/>
+          <p:nvPr/>
+        </p:nvSpPr>
+        <p:spPr>
+          <a:xfrm>
+            <a:off x="10668000" y="150471"/>
+            <a:ext cx="1381246" cy="682906"/>
+          </a:xfrm>
+          <a:prstGeom prst="rect">
+            <a:avLst/>
+          </a:prstGeom>
+          <a:solidFill>
+            <a:schemeClr val="bg1"/>
+          </a:solidFill>
+          <a:ln>
+            <a:noFill/>
+          </a:ln>
+        </p:spPr>
+        <p:style>
+          <a:lnRef idx="2">
+            <a:schemeClr val="accent1">
+              <a:shade val="50000"/>
+            </a:schemeClr>
+          </a:lnRef>
+          <a:fillRef idx="1">
+            <a:schemeClr val="accent1"/>
+          </a:fillRef>
+          <a:effectRef idx="0">
+            <a:schemeClr val="accent1"/>
+          </a:effectRef>
+          <a:fontRef idx="minor">
+            <a:schemeClr val="lt1"/>
+          </a:fontRef>
+        </p:style>
+        <p:txBody>
+          <a:bodyPr rtlCol="0" anchor="ctr"/>
+          <a:lstStyle/>
+          <a:p>
+            <a:pPr algn="ctr"/>
+            <a:endParaRPr lang="en-US" dirty="0"/>
+          </a:p>
+        </p:txBody>
+      </p:sp>
+      <p:sp>
+        <p:nvSpPr>
+          <p:cNvPr id="8" name="TextBox 7">
+            <a:extLst>
+              <a:ext uri="{FF2B5EF4-FFF2-40B4-BE49-F238E27FC236}">
+                <a16:creationId xmlns:a16="http://schemas.microsoft.com/office/drawing/2014/main" id="{62D23A06-AFD3-27D3-D05B-B41053E662BD}"/>
+              </a:ext>
+            </a:extLst>
+          </p:cNvPr>
+          <p:cNvSpPr txBox="1"/>
+          <p:nvPr/>
+        </p:nvSpPr>
+        <p:spPr>
+          <a:xfrm>
+            <a:off x="314908" y="287452"/>
+            <a:ext cx="6097554" cy="584775"/>
+          </a:xfrm>
+          <a:prstGeom prst="rect">
+            <a:avLst/>
+          </a:prstGeom>
+          <a:noFill/>
+        </p:spPr>
+        <p:txBody>
+          <a:bodyPr wrap="square">
+            <a:spAutoFit/>
+          </a:bodyPr>
+          <a:lstStyle/>
+          <a:p>
+            <a:pPr marL="0" marR="0" lvl="0" indent="0" algn="l" defTabSz="914400" rtl="0" eaLnBrk="1" fontAlgn="auto" latinLnBrk="0" hangingPunct="1">
+              <a:lnSpc>
+                <a:spcPct val="100000"/>
+              </a:lnSpc>
+              <a:spcBef>
+                <a:spcPts val="0"/>
+              </a:spcBef>
+              <a:spcAft>
+                <a:spcPts val="0"/>
+              </a:spcAft>
+              <a:buClrTx/>
+              <a:buSzTx/>
+              <a:buFontTx/>
+              <a:buNone/>
+              <a:tabLst/>
+              <a:defRPr/>
+            </a:pPr>
+            <a:r>
+              <a:rPr lang="en-US" sz="3200" b="1" dirty="0">
+                <a:solidFill>
+                  <a:srgbClr val="46B0FA"/>
+                </a:solidFill>
+                <a:latin typeface="Arial" panose="020B0604020202020204" pitchFamily="34" charset="0"/>
+                <a:cs typeface="Arial" panose="020B0604020202020204" pitchFamily="34" charset="0"/>
+              </a:rPr>
+              <a:t>Results</a:t>
+            </a:r>
+            <a:endParaRPr kumimoji="0" lang="en-IN" sz="3200" b="1" i="0" u="none" strike="noStrike" kern="1200" cap="none" spc="0" normalizeH="0" baseline="0" noProof="0" dirty="0">
+              <a:ln>
+                <a:noFill/>
+              </a:ln>
+              <a:solidFill>
+                <a:srgbClr val="46B0FA"/>
+              </a:solidFill>
+              <a:effectLst/>
+              <a:uLnTx/>
+              <a:uFillTx/>
+              <a:latin typeface="Arial" panose="020B0604020202020204" pitchFamily="34" charset="0"/>
+              <a:ea typeface="+mn-ea"/>
+              <a:cs typeface="Arial" panose="020B0604020202020204" pitchFamily="34" charset="0"/>
+            </a:endParaRPr>
+          </a:p>
+        </p:txBody>
+      </p:sp>
+      <p:pic>
+        <p:nvPicPr>
+          <p:cNvPr id="5" name="Picture 4">
+            <a:extLst>
+              <a:ext uri="{FF2B5EF4-FFF2-40B4-BE49-F238E27FC236}">
+                <a16:creationId xmlns:a16="http://schemas.microsoft.com/office/drawing/2014/main" id="{51527C50-0C13-2613-6EFC-7701F204B2CA}"/>
+              </a:ext>
+            </a:extLst>
+          </p:cNvPr>
+          <p:cNvPicPr>
+            <a:picLocks noChangeAspect="1"/>
+          </p:cNvPicPr>
+          <p:nvPr/>
+        </p:nvPicPr>
+        <p:blipFill>
+          <a:blip r:embed="rId2"/>
+          <a:stretch>
+            <a:fillRect/>
+          </a:stretch>
+        </p:blipFill>
+        <p:spPr>
+          <a:xfrm>
+            <a:off x="495686" y="1125190"/>
+            <a:ext cx="10942986" cy="2709692"/>
+          </a:xfrm>
+          <a:prstGeom prst="rect">
+            <a:avLst/>
+          </a:prstGeom>
+        </p:spPr>
+      </p:pic>
+    </p:spTree>
+    <p:extLst>
+      <p:ext uri="{BB962C8B-B14F-4D97-AF65-F5344CB8AC3E}">
+        <p14:creationId xmlns:p14="http://schemas.microsoft.com/office/powerpoint/2010/main" val="3365606906"/>
+      </p:ext>
+    </p:extLst>
+  </p:cSld>
+  <p:clrMapOvr>
+    <a:masterClrMapping/>
+  </p:clrMapOvr>
+</p:sld>
+</file>
+
+<file path=ppt/slides/slide26.xml><?xml version="1.0" encoding="utf-8"?>
+<p:sld xmlns:a="http://schemas.openxmlformats.org/drawingml/2006/main" xmlns:r="http://schemas.openxmlformats.org/officeDocument/2006/relationships" xmlns:p="http://schemas.openxmlformats.org/presentationml/2006/main">
+  <p:cSld>
+    <p:spTree>
+      <p:nvGrpSpPr>
+        <p:cNvPr id="1" name="">
+          <a:extLst>
+            <a:ext uri="{FF2B5EF4-FFF2-40B4-BE49-F238E27FC236}">
+              <a16:creationId xmlns:a16="http://schemas.microsoft.com/office/drawing/2014/main" id="{D17C32D7-E3D2-AD57-019D-CF12C73EFC87}"/>
+            </a:ext>
+          </a:extLst>
+        </p:cNvPr>
+        <p:cNvGrpSpPr/>
+        <p:nvPr/>
+      </p:nvGrpSpPr>
+      <p:grpSpPr>
+        <a:xfrm>
+          <a:off x="0" y="0"/>
+          <a:ext cx="0" cy="0"/>
+          <a:chOff x="0" y="0"/>
+          <a:chExt cx="0" cy="0"/>
+        </a:xfrm>
+      </p:grpSpPr>
+      <p:sp>
+        <p:nvSpPr>
+          <p:cNvPr id="4" name="Rectangle 3">
+            <a:extLst>
+              <a:ext uri="{FF2B5EF4-FFF2-40B4-BE49-F238E27FC236}">
+                <a16:creationId xmlns:a16="http://schemas.microsoft.com/office/drawing/2014/main" id="{FA59EB3C-2CF8-6607-A936-F5ED747E4DCF}"/>
+              </a:ext>
+            </a:extLst>
+          </p:cNvPr>
+          <p:cNvSpPr/>
+          <p:nvPr/>
+        </p:nvSpPr>
+        <p:spPr>
+          <a:xfrm>
+            <a:off x="10668000" y="150471"/>
+            <a:ext cx="1381246" cy="682906"/>
+          </a:xfrm>
+          <a:prstGeom prst="rect">
+            <a:avLst/>
+          </a:prstGeom>
+          <a:solidFill>
+            <a:schemeClr val="bg1"/>
+          </a:solidFill>
+          <a:ln>
+            <a:noFill/>
+          </a:ln>
+        </p:spPr>
+        <p:style>
+          <a:lnRef idx="2">
+            <a:schemeClr val="accent1">
+              <a:shade val="50000"/>
+            </a:schemeClr>
+          </a:lnRef>
+          <a:fillRef idx="1">
+            <a:schemeClr val="accent1"/>
+          </a:fillRef>
+          <a:effectRef idx="0">
+            <a:schemeClr val="accent1"/>
+          </a:effectRef>
+          <a:fontRef idx="minor">
+            <a:schemeClr val="lt1"/>
+          </a:fontRef>
+        </p:style>
+        <p:txBody>
+          <a:bodyPr rtlCol="0" anchor="ctr"/>
+          <a:lstStyle/>
+          <a:p>
+            <a:pPr algn="ctr"/>
+            <a:endParaRPr lang="en-US" dirty="0"/>
+          </a:p>
+        </p:txBody>
+      </p:sp>
+      <p:sp>
+        <p:nvSpPr>
+          <p:cNvPr id="8" name="TextBox 7">
+            <a:extLst>
+              <a:ext uri="{FF2B5EF4-FFF2-40B4-BE49-F238E27FC236}">
+                <a16:creationId xmlns:a16="http://schemas.microsoft.com/office/drawing/2014/main" id="{30C2F356-CF4F-BFB7-BDA7-40DDA382F315}"/>
+              </a:ext>
+            </a:extLst>
+          </p:cNvPr>
+          <p:cNvSpPr txBox="1"/>
+          <p:nvPr/>
+        </p:nvSpPr>
+        <p:spPr>
+          <a:xfrm>
+            <a:off x="314908" y="287452"/>
+            <a:ext cx="6097554" cy="584775"/>
+          </a:xfrm>
+          <a:prstGeom prst="rect">
+            <a:avLst/>
+          </a:prstGeom>
+          <a:noFill/>
+        </p:spPr>
+        <p:txBody>
+          <a:bodyPr wrap="square">
+            <a:spAutoFit/>
+          </a:bodyPr>
+          <a:lstStyle/>
+          <a:p>
+            <a:pPr marL="0" marR="0" lvl="0" indent="0" algn="l" defTabSz="914400" rtl="0" eaLnBrk="1" fontAlgn="auto" latinLnBrk="0" hangingPunct="1">
+              <a:lnSpc>
+                <a:spcPct val="100000"/>
+              </a:lnSpc>
+              <a:spcBef>
+                <a:spcPts val="0"/>
+              </a:spcBef>
+              <a:spcAft>
+                <a:spcPts val="0"/>
+              </a:spcAft>
+              <a:buClrTx/>
+              <a:buSzTx/>
+              <a:buFontTx/>
+              <a:buNone/>
+              <a:tabLst/>
+              <a:defRPr/>
+            </a:pPr>
+            <a:r>
+              <a:rPr lang="en-US" sz="3200" b="1" dirty="0">
+                <a:solidFill>
+                  <a:srgbClr val="46B0FA"/>
+                </a:solidFill>
+                <a:latin typeface="Arial" panose="020B0604020202020204" pitchFamily="34" charset="0"/>
+                <a:cs typeface="Arial" panose="020B0604020202020204" pitchFamily="34" charset="0"/>
+              </a:rPr>
+              <a:t>Results</a:t>
+            </a:r>
+            <a:endParaRPr kumimoji="0" lang="en-IN" sz="3200" b="1" i="0" u="none" strike="noStrike" kern="1200" cap="none" spc="0" normalizeH="0" baseline="0" noProof="0" dirty="0">
+              <a:ln>
+                <a:noFill/>
+              </a:ln>
+              <a:solidFill>
+                <a:srgbClr val="46B0FA"/>
+              </a:solidFill>
+              <a:effectLst/>
+              <a:uLnTx/>
+              <a:uFillTx/>
+              <a:latin typeface="Arial" panose="020B0604020202020204" pitchFamily="34" charset="0"/>
+              <a:ea typeface="+mn-ea"/>
+              <a:cs typeface="Arial" panose="020B0604020202020204" pitchFamily="34" charset="0"/>
+            </a:endParaRPr>
+          </a:p>
+        </p:txBody>
+      </p:sp>
+      <p:pic>
+        <p:nvPicPr>
+          <p:cNvPr id="3" name="Picture 2">
+            <a:extLst>
+              <a:ext uri="{FF2B5EF4-FFF2-40B4-BE49-F238E27FC236}">
+                <a16:creationId xmlns:a16="http://schemas.microsoft.com/office/drawing/2014/main" id="{DD029DBA-05FA-6E2E-6385-C726AB6E80D1}"/>
+              </a:ext>
+            </a:extLst>
+          </p:cNvPr>
+          <p:cNvPicPr>
+            <a:picLocks noChangeAspect="1"/>
+          </p:cNvPicPr>
+          <p:nvPr/>
+        </p:nvPicPr>
+        <p:blipFill>
+          <a:blip r:embed="rId2"/>
+          <a:stretch>
+            <a:fillRect/>
+          </a:stretch>
+        </p:blipFill>
+        <p:spPr>
+          <a:xfrm>
+            <a:off x="587365" y="4932019"/>
+            <a:ext cx="9383434" cy="1638529"/>
+          </a:xfrm>
+          <a:prstGeom prst="rect">
+            <a:avLst/>
+          </a:prstGeom>
+        </p:spPr>
+      </p:pic>
+      <p:pic>
+        <p:nvPicPr>
+          <p:cNvPr id="6" name="Picture 5">
+            <a:extLst>
+              <a:ext uri="{FF2B5EF4-FFF2-40B4-BE49-F238E27FC236}">
+                <a16:creationId xmlns:a16="http://schemas.microsoft.com/office/drawing/2014/main" id="{E745CA33-A3F2-C413-5A1D-2AFAE40BD6B3}"/>
+              </a:ext>
+            </a:extLst>
+          </p:cNvPr>
+          <p:cNvPicPr>
+            <a:picLocks noChangeAspect="1"/>
+          </p:cNvPicPr>
+          <p:nvPr/>
+        </p:nvPicPr>
+        <p:blipFill>
+          <a:blip r:embed="rId3"/>
+          <a:stretch>
+            <a:fillRect/>
+          </a:stretch>
+        </p:blipFill>
+        <p:spPr>
+          <a:xfrm>
+            <a:off x="587365" y="1111961"/>
+            <a:ext cx="9383434" cy="3820058"/>
+          </a:xfrm>
+          <a:prstGeom prst="rect">
+            <a:avLst/>
+          </a:prstGeom>
+        </p:spPr>
+      </p:pic>
+    </p:spTree>
+    <p:extLst>
+      <p:ext uri="{BB962C8B-B14F-4D97-AF65-F5344CB8AC3E}">
+        <p14:creationId xmlns:p14="http://schemas.microsoft.com/office/powerpoint/2010/main" val="89157792"/>
+      </p:ext>
+    </p:extLst>
+  </p:cSld>
+  <p:clrMapOvr>
+    <a:masterClrMapping/>
+  </p:clrMapOvr>
+</p:sld>
+</file>
+
+<file path=ppt/slides/slide27.xml><?xml version="1.0" encoding="utf-8"?>
+<p:sld xmlns:a="http://schemas.openxmlformats.org/drawingml/2006/main" xmlns:r="http://schemas.openxmlformats.org/officeDocument/2006/relationships" xmlns:p="http://schemas.openxmlformats.org/presentationml/2006/main">
+  <p:cSld>
+    <p:spTree>
+      <p:nvGrpSpPr>
+        <p:cNvPr id="1" name="">
+          <a:extLst>
+            <a:ext uri="{FF2B5EF4-FFF2-40B4-BE49-F238E27FC236}">
+              <a16:creationId xmlns:a16="http://schemas.microsoft.com/office/drawing/2014/main" id="{20E4F9C8-8FF9-3C26-BA31-7FDB1DB53C3C}"/>
+            </a:ext>
+          </a:extLst>
+        </p:cNvPr>
+        <p:cNvGrpSpPr/>
+        <p:nvPr/>
+      </p:nvGrpSpPr>
+      <p:grpSpPr>
+        <a:xfrm>
+          <a:off x="0" y="0"/>
+          <a:ext cx="0" cy="0"/>
+          <a:chOff x="0" y="0"/>
+          <a:chExt cx="0" cy="0"/>
+        </a:xfrm>
+      </p:grpSpPr>
+      <p:sp>
+        <p:nvSpPr>
+          <p:cNvPr id="4" name="Rectangle 3">
+            <a:extLst>
+              <a:ext uri="{FF2B5EF4-FFF2-40B4-BE49-F238E27FC236}">
+                <a16:creationId xmlns:a16="http://schemas.microsoft.com/office/drawing/2014/main" id="{02F15ECD-9C83-4A49-6D5F-A36B22C2A85C}"/>
+              </a:ext>
+            </a:extLst>
+          </p:cNvPr>
+          <p:cNvSpPr/>
+          <p:nvPr/>
+        </p:nvSpPr>
+        <p:spPr>
+          <a:xfrm>
+            <a:off x="10668000" y="150471"/>
+            <a:ext cx="1381246" cy="682906"/>
+          </a:xfrm>
+          <a:prstGeom prst="rect">
+            <a:avLst/>
+          </a:prstGeom>
+          <a:solidFill>
+            <a:schemeClr val="bg1"/>
+          </a:solidFill>
+          <a:ln>
+            <a:noFill/>
+          </a:ln>
+        </p:spPr>
+        <p:style>
+          <a:lnRef idx="2">
+            <a:schemeClr val="accent1">
+              <a:shade val="50000"/>
+            </a:schemeClr>
+          </a:lnRef>
+          <a:fillRef idx="1">
+            <a:schemeClr val="accent1"/>
+          </a:fillRef>
+          <a:effectRef idx="0">
+            <a:schemeClr val="accent1"/>
+          </a:effectRef>
+          <a:fontRef idx="minor">
+            <a:schemeClr val="lt1"/>
+          </a:fontRef>
+        </p:style>
+        <p:txBody>
+          <a:bodyPr rtlCol="0" anchor="ctr"/>
+          <a:lstStyle/>
+          <a:p>
+            <a:pPr algn="ctr"/>
+            <a:endParaRPr lang="en-US" dirty="0"/>
+          </a:p>
+        </p:txBody>
+      </p:sp>
+      <p:sp>
+        <p:nvSpPr>
+          <p:cNvPr id="8" name="TextBox 7">
+            <a:extLst>
+              <a:ext uri="{FF2B5EF4-FFF2-40B4-BE49-F238E27FC236}">
+                <a16:creationId xmlns:a16="http://schemas.microsoft.com/office/drawing/2014/main" id="{5AACF4F4-121B-55C2-C4F5-CE835E8972BD}"/>
+              </a:ext>
+            </a:extLst>
+          </p:cNvPr>
+          <p:cNvSpPr txBox="1"/>
+          <p:nvPr/>
+        </p:nvSpPr>
+        <p:spPr>
+          <a:xfrm>
+            <a:off x="314908" y="287452"/>
+            <a:ext cx="6097554" cy="584775"/>
+          </a:xfrm>
+          <a:prstGeom prst="rect">
+            <a:avLst/>
+          </a:prstGeom>
+          <a:noFill/>
+        </p:spPr>
+        <p:txBody>
+          <a:bodyPr wrap="square">
+            <a:spAutoFit/>
+          </a:bodyPr>
+          <a:lstStyle/>
+          <a:p>
+            <a:pPr marL="0" marR="0" lvl="0" indent="0" algn="l" defTabSz="914400" rtl="0" eaLnBrk="1" fontAlgn="auto" latinLnBrk="0" hangingPunct="1">
+              <a:lnSpc>
+                <a:spcPct val="100000"/>
+              </a:lnSpc>
+              <a:spcBef>
+                <a:spcPts val="0"/>
+              </a:spcBef>
+              <a:spcAft>
+                <a:spcPts val="0"/>
+              </a:spcAft>
+              <a:buClrTx/>
+              <a:buSzTx/>
+              <a:buFontTx/>
+              <a:buNone/>
+              <a:tabLst/>
+              <a:defRPr/>
+            </a:pPr>
+            <a:r>
+              <a:rPr lang="en-US" sz="3200" b="1" dirty="0">
+                <a:solidFill>
+                  <a:srgbClr val="46B0FA"/>
+                </a:solidFill>
+                <a:latin typeface="Arial" panose="020B0604020202020204" pitchFamily="34" charset="0"/>
+                <a:cs typeface="Arial" panose="020B0604020202020204" pitchFamily="34" charset="0"/>
+              </a:rPr>
+              <a:t>Results</a:t>
+            </a:r>
+            <a:endParaRPr kumimoji="0" lang="en-IN" sz="3200" b="1" i="0" u="none" strike="noStrike" kern="1200" cap="none" spc="0" normalizeH="0" baseline="0" noProof="0" dirty="0">
+              <a:ln>
+                <a:noFill/>
+              </a:ln>
+              <a:solidFill>
+                <a:srgbClr val="46B0FA"/>
+              </a:solidFill>
+              <a:effectLst/>
+              <a:uLnTx/>
+              <a:uFillTx/>
+              <a:latin typeface="Arial" panose="020B0604020202020204" pitchFamily="34" charset="0"/>
+              <a:ea typeface="+mn-ea"/>
+              <a:cs typeface="Arial" panose="020B0604020202020204" pitchFamily="34" charset="0"/>
+            </a:endParaRPr>
+          </a:p>
+        </p:txBody>
+      </p:sp>
+      <p:pic>
+        <p:nvPicPr>
+          <p:cNvPr id="3" name="Picture 2">
+            <a:extLst>
+              <a:ext uri="{FF2B5EF4-FFF2-40B4-BE49-F238E27FC236}">
+                <a16:creationId xmlns:a16="http://schemas.microsoft.com/office/drawing/2014/main" id="{9288EB50-D236-DEDC-E95B-F293FFAA9DB3}"/>
+              </a:ext>
+            </a:extLst>
+          </p:cNvPr>
+          <p:cNvPicPr>
+            <a:picLocks noChangeAspect="1"/>
+          </p:cNvPicPr>
+          <p:nvPr/>
+        </p:nvPicPr>
+        <p:blipFill>
+          <a:blip r:embed="rId2"/>
+          <a:stretch>
+            <a:fillRect/>
+          </a:stretch>
+        </p:blipFill>
+        <p:spPr>
+          <a:xfrm>
+            <a:off x="2369836" y="1166141"/>
+            <a:ext cx="7452328" cy="5273246"/>
+          </a:xfrm>
+          <a:prstGeom prst="rect">
+            <a:avLst/>
+          </a:prstGeom>
+          <a:ln w="127000" cap="sq">
+            <a:solidFill>
+              <a:srgbClr val="000000"/>
+            </a:solidFill>
+            <a:miter lim="800000"/>
+          </a:ln>
+          <a:effectLst>
+            <a:outerShdw blurRad="57150" dist="50800" dir="2700000" algn="tl" rotWithShape="0">
+              <a:srgbClr val="000000">
+                <a:alpha val="40000"/>
+              </a:srgbClr>
+            </a:outerShdw>
+          </a:effectLst>
+        </p:spPr>
+      </p:pic>
+    </p:spTree>
+    <p:extLst>
+      <p:ext uri="{BB962C8B-B14F-4D97-AF65-F5344CB8AC3E}">
+        <p14:creationId xmlns:p14="http://schemas.microsoft.com/office/powerpoint/2010/main" val="4176652527"/>
+      </p:ext>
+    </p:extLst>
+  </p:cSld>
+  <p:clrMapOvr>
+    <a:masterClrMapping/>
+  </p:clrMapOvr>
+</p:sld>
+</file>
+
+<file path=ppt/slides/slide28.xml><?xml version="1.0" encoding="utf-8"?>
+<p:sld xmlns:a="http://schemas.openxmlformats.org/drawingml/2006/main" xmlns:r="http://schemas.openxmlformats.org/officeDocument/2006/relationships" xmlns:p="http://schemas.openxmlformats.org/presentationml/2006/main">
+  <p:cSld>
+    <p:spTree>
+      <p:nvGrpSpPr>
         <p:cNvPr id="1" name=""/>
         <p:cNvGrpSpPr/>
         <p:nvPr/>
@@ -4665,7 +6850,7 @@
 </p:sld>
 </file>
 
-<file path=ppt/slides/slide2.xml><?xml version="1.0" encoding="utf-8"?>
+<file path=ppt/slides/slide29.xml><?xml version="1.0" encoding="utf-8"?>
 <p:sld xmlns:a="http://schemas.openxmlformats.org/drawingml/2006/main" xmlns:r="http://schemas.openxmlformats.org/officeDocument/2006/relationships" xmlns:p="http://schemas.openxmlformats.org/presentationml/2006/main">
   <p:cSld>
     <p:spTree>
@@ -4711,297 +6896,6 @@
           <a:lstStyle/>
           <a:p>
             <a:r>
-              <a:rPr lang="en-US" sz="3200" b="1" dirty="0">
-                <a:solidFill>
-                  <a:srgbClr val="46B0FA"/>
-                </a:solidFill>
-                <a:latin typeface="Arial" panose="020B0604020202020204" pitchFamily="34" charset="0"/>
-                <a:cs typeface="Arial" panose="020B0604020202020204" pitchFamily="34" charset="0"/>
-              </a:rPr>
-              <a:t>Content</a:t>
-            </a:r>
-            <a:endParaRPr lang="en-IN" sz="3200" b="1" dirty="0">
-              <a:solidFill>
-                <a:srgbClr val="46B0FA"/>
-              </a:solidFill>
-              <a:latin typeface="Arial" panose="020B0604020202020204" pitchFamily="34" charset="0"/>
-              <a:cs typeface="Arial" panose="020B0604020202020204" pitchFamily="34" charset="0"/>
-            </a:endParaRPr>
-          </a:p>
-        </p:txBody>
-      </p:sp>
-      <p:sp>
-        <p:nvSpPr>
-          <p:cNvPr id="3" name="TextBox 2">
-            <a:extLst>
-              <a:ext uri="{FF2B5EF4-FFF2-40B4-BE49-F238E27FC236}">
-                <a16:creationId xmlns:a16="http://schemas.microsoft.com/office/drawing/2014/main" id="{66168532-D141-4AB0-BD29-1663F2877B3E}"/>
-              </a:ext>
-            </a:extLst>
-          </p:cNvPr>
-          <p:cNvSpPr txBox="1"/>
-          <p:nvPr/>
-        </p:nvSpPr>
-        <p:spPr>
-          <a:xfrm>
-            <a:off x="1071154" y="1247350"/>
-            <a:ext cx="4650377" cy="4985980"/>
-          </a:xfrm>
-          <a:prstGeom prst="rect">
-            <a:avLst/>
-          </a:prstGeom>
-          <a:noFill/>
-        </p:spPr>
-        <p:txBody>
-          <a:bodyPr wrap="square" rtlCol="0">
-            <a:spAutoFit/>
-          </a:bodyPr>
-          <a:lstStyle/>
-          <a:p>
-            <a:pPr marL="342900" indent="-342900">
-              <a:buFont typeface="Wingdings" panose="05000000000000000000" pitchFamily="2" charset="2"/>
-              <a:buChar char="§"/>
-            </a:pPr>
-            <a:r>
-              <a:rPr lang="en-US" sz="2000" dirty="0">
-                <a:latin typeface="Arial" panose="020B0604020202020204" pitchFamily="34" charset="0"/>
-                <a:cs typeface="Arial" panose="020B0604020202020204" pitchFamily="34" charset="0"/>
-              </a:rPr>
-              <a:t>Introduction</a:t>
-            </a:r>
-          </a:p>
-          <a:p>
-            <a:pPr marL="342900" indent="-342900">
-              <a:buFont typeface="Wingdings" panose="05000000000000000000" pitchFamily="2" charset="2"/>
-              <a:buChar char="§"/>
-            </a:pPr>
-            <a:endParaRPr lang="en-US" sz="2000" dirty="0">
-              <a:latin typeface="Arial" panose="020B0604020202020204" pitchFamily="34" charset="0"/>
-              <a:cs typeface="Arial" panose="020B0604020202020204" pitchFamily="34" charset="0"/>
-            </a:endParaRPr>
-          </a:p>
-          <a:p>
-            <a:pPr marL="342900" indent="-342900">
-              <a:buFont typeface="Wingdings" panose="05000000000000000000" pitchFamily="2" charset="2"/>
-              <a:buChar char="§"/>
-            </a:pPr>
-            <a:r>
-              <a:rPr lang="en-US" sz="2000" dirty="0">
-                <a:latin typeface="Arial" panose="020B0604020202020204" pitchFamily="34" charset="0"/>
-                <a:cs typeface="Arial" panose="020B0604020202020204" pitchFamily="34" charset="0"/>
-              </a:rPr>
-              <a:t>Literature Review</a:t>
-            </a:r>
-          </a:p>
-          <a:p>
-            <a:pPr marL="342900" indent="-342900">
-              <a:buFont typeface="Wingdings" panose="05000000000000000000" pitchFamily="2" charset="2"/>
-              <a:buChar char="§"/>
-            </a:pPr>
-            <a:endParaRPr lang="en-US" sz="2000" dirty="0">
-              <a:latin typeface="Arial" panose="020B0604020202020204" pitchFamily="34" charset="0"/>
-              <a:cs typeface="Arial" panose="020B0604020202020204" pitchFamily="34" charset="0"/>
-            </a:endParaRPr>
-          </a:p>
-          <a:p>
-            <a:pPr marL="342900" indent="-342900">
-              <a:buFont typeface="Wingdings" panose="05000000000000000000" pitchFamily="2" charset="2"/>
-              <a:buChar char="§"/>
-            </a:pPr>
-            <a:r>
-              <a:rPr lang="en-US" sz="2000" dirty="0">
-                <a:latin typeface="Arial" panose="020B0604020202020204" pitchFamily="34" charset="0"/>
-                <a:cs typeface="Arial" panose="020B0604020202020204" pitchFamily="34" charset="0"/>
-              </a:rPr>
-              <a:t>Objectives</a:t>
-            </a:r>
-          </a:p>
-          <a:p>
-            <a:pPr marL="342900" indent="-342900">
-              <a:buFont typeface="Wingdings" panose="05000000000000000000" pitchFamily="2" charset="2"/>
-              <a:buChar char="§"/>
-            </a:pPr>
-            <a:endParaRPr lang="en-US" sz="2000" dirty="0">
-              <a:latin typeface="Arial" panose="020B0604020202020204" pitchFamily="34" charset="0"/>
-              <a:cs typeface="Arial" panose="020B0604020202020204" pitchFamily="34" charset="0"/>
-            </a:endParaRPr>
-          </a:p>
-          <a:p>
-            <a:pPr marL="342900" indent="-342900">
-              <a:buFont typeface="Wingdings" panose="05000000000000000000" pitchFamily="2" charset="2"/>
-              <a:buChar char="§"/>
-            </a:pPr>
-            <a:r>
-              <a:rPr lang="en-US" sz="2000" dirty="0">
-                <a:latin typeface="Arial" panose="020B0604020202020204" pitchFamily="34" charset="0"/>
-                <a:cs typeface="Arial" panose="020B0604020202020204" pitchFamily="34" charset="0"/>
-              </a:rPr>
-              <a:t>Methodology</a:t>
-            </a:r>
-          </a:p>
-          <a:p>
-            <a:pPr marL="342900" indent="-342900">
-              <a:buFont typeface="Wingdings" panose="05000000000000000000" pitchFamily="2" charset="2"/>
-              <a:buChar char="§"/>
-            </a:pPr>
-            <a:endParaRPr lang="en-US" sz="2000" dirty="0">
-              <a:latin typeface="Arial" panose="020B0604020202020204" pitchFamily="34" charset="0"/>
-              <a:cs typeface="Arial" panose="020B0604020202020204" pitchFamily="34" charset="0"/>
-            </a:endParaRPr>
-          </a:p>
-          <a:p>
-            <a:pPr marL="342900" indent="-342900">
-              <a:buFont typeface="Wingdings" panose="05000000000000000000" pitchFamily="2" charset="2"/>
-              <a:buChar char="§"/>
-            </a:pPr>
-            <a:r>
-              <a:rPr lang="en-US" sz="2000" dirty="0">
-                <a:latin typeface="Arial" panose="020B0604020202020204" pitchFamily="34" charset="0"/>
-                <a:cs typeface="Arial" panose="020B0604020202020204" pitchFamily="34" charset="0"/>
-              </a:rPr>
-              <a:t>Working Model</a:t>
-            </a:r>
-          </a:p>
-          <a:p>
-            <a:pPr marL="342900" indent="-342900">
-              <a:buFont typeface="Wingdings" panose="05000000000000000000" pitchFamily="2" charset="2"/>
-              <a:buChar char="§"/>
-            </a:pPr>
-            <a:endParaRPr lang="en-US" sz="2000" dirty="0">
-              <a:latin typeface="Arial" panose="020B0604020202020204" pitchFamily="34" charset="0"/>
-              <a:cs typeface="Arial" panose="020B0604020202020204" pitchFamily="34" charset="0"/>
-            </a:endParaRPr>
-          </a:p>
-          <a:p>
-            <a:pPr marL="342900" indent="-342900">
-              <a:buFont typeface="Wingdings" panose="05000000000000000000" pitchFamily="2" charset="2"/>
-              <a:buChar char="§"/>
-            </a:pPr>
-            <a:r>
-              <a:rPr lang="en-US" sz="2000" dirty="0">
-                <a:latin typeface="Arial" panose="020B0604020202020204" pitchFamily="34" charset="0"/>
-                <a:cs typeface="Arial" panose="020B0604020202020204" pitchFamily="34" charset="0"/>
-              </a:rPr>
-              <a:t>Results</a:t>
-            </a:r>
-          </a:p>
-          <a:p>
-            <a:pPr marL="342900" indent="-342900">
-              <a:buFont typeface="Wingdings" panose="05000000000000000000" pitchFamily="2" charset="2"/>
-              <a:buChar char="§"/>
-            </a:pPr>
-            <a:endParaRPr lang="en-US" sz="2000" dirty="0">
-              <a:latin typeface="Arial" panose="020B0604020202020204" pitchFamily="34" charset="0"/>
-              <a:cs typeface="Arial" panose="020B0604020202020204" pitchFamily="34" charset="0"/>
-            </a:endParaRPr>
-          </a:p>
-          <a:p>
-            <a:pPr marL="342900" indent="-342900">
-              <a:buFont typeface="Wingdings" panose="05000000000000000000" pitchFamily="2" charset="2"/>
-              <a:buChar char="§"/>
-            </a:pPr>
-            <a:r>
-              <a:rPr lang="en-US" sz="2000" dirty="0">
-                <a:latin typeface="Arial" panose="020B0604020202020204" pitchFamily="34" charset="0"/>
-                <a:cs typeface="Arial" panose="020B0604020202020204" pitchFamily="34" charset="0"/>
-              </a:rPr>
-              <a:t>Conclusions</a:t>
-            </a:r>
-          </a:p>
-          <a:p>
-            <a:pPr marL="342900" indent="-342900">
-              <a:buFont typeface="Wingdings" panose="05000000000000000000" pitchFamily="2" charset="2"/>
-              <a:buChar char="§"/>
-            </a:pPr>
-            <a:endParaRPr lang="en-US" sz="2000" dirty="0">
-              <a:latin typeface="Arial" panose="020B0604020202020204" pitchFamily="34" charset="0"/>
-              <a:cs typeface="Arial" panose="020B0604020202020204" pitchFamily="34" charset="0"/>
-            </a:endParaRPr>
-          </a:p>
-          <a:p>
-            <a:pPr marL="342900" indent="-342900">
-              <a:buFont typeface="Wingdings" panose="05000000000000000000" pitchFamily="2" charset="2"/>
-              <a:buChar char="§"/>
-            </a:pPr>
-            <a:r>
-              <a:rPr lang="en-US" sz="2000" dirty="0">
-                <a:latin typeface="Arial" panose="020B0604020202020204" pitchFamily="34" charset="0"/>
-                <a:cs typeface="Arial" panose="020B0604020202020204" pitchFamily="34" charset="0"/>
-              </a:rPr>
-              <a:t>References </a:t>
-            </a:r>
-          </a:p>
-          <a:p>
-            <a:pPr marL="285750" indent="-285750">
-              <a:buFont typeface="Wingdings" panose="05000000000000000000" pitchFamily="2" charset="2"/>
-              <a:buChar char="§"/>
-            </a:pPr>
-            <a:endParaRPr lang="en-IN" dirty="0">
-              <a:latin typeface="Arial" panose="020B0604020202020204" pitchFamily="34" charset="0"/>
-              <a:cs typeface="Arial" panose="020B0604020202020204" pitchFamily="34" charset="0"/>
-            </a:endParaRPr>
-          </a:p>
-        </p:txBody>
-      </p:sp>
-    </p:spTree>
-    <p:extLst>
-      <p:ext uri="{BB962C8B-B14F-4D97-AF65-F5344CB8AC3E}">
-        <p14:creationId xmlns:p14="http://schemas.microsoft.com/office/powerpoint/2010/main" val="3879729395"/>
-      </p:ext>
-    </p:extLst>
-  </p:cSld>
-  <p:clrMapOvr>
-    <a:masterClrMapping/>
-  </p:clrMapOvr>
-</p:sld>
-</file>
-
-<file path=ppt/slides/slide20.xml><?xml version="1.0" encoding="utf-8"?>
-<p:sld xmlns:a="http://schemas.openxmlformats.org/drawingml/2006/main" xmlns:r="http://schemas.openxmlformats.org/officeDocument/2006/relationships" xmlns:p="http://schemas.openxmlformats.org/presentationml/2006/main">
-  <p:cSld>
-    <p:spTree>
-      <p:nvGrpSpPr>
-        <p:cNvPr id="1" name=""/>
-        <p:cNvGrpSpPr/>
-        <p:nvPr/>
-      </p:nvGrpSpPr>
-      <p:grpSpPr>
-        <a:xfrm>
-          <a:off x="0" y="0"/>
-          <a:ext cx="0" cy="0"/>
-          <a:chOff x="0" y="0"/>
-          <a:chExt cx="0" cy="0"/>
-        </a:xfrm>
-      </p:grpSpPr>
-      <p:sp>
-        <p:nvSpPr>
-          <p:cNvPr id="2" name="TextBox 1">
-            <a:extLst>
-              <a:ext uri="{FF2B5EF4-FFF2-40B4-BE49-F238E27FC236}">
-                <a16:creationId xmlns:a16="http://schemas.microsoft.com/office/drawing/2014/main" id="{B2EC635B-D8A3-4A72-8304-20FFBA5D21A3}"/>
-              </a:ext>
-            </a:extLst>
-          </p:cNvPr>
-          <p:cNvSpPr txBox="1"/>
-          <p:nvPr/>
-        </p:nvSpPr>
-        <p:spPr>
-          <a:xfrm>
-            <a:off x="325927" y="248626"/>
-            <a:ext cx="7530363" cy="584775"/>
-          </a:xfrm>
-          <a:prstGeom prst="rect">
-            <a:avLst/>
-          </a:prstGeom>
-          <a:noFill/>
-        </p:spPr>
-        <p:txBody>
-          <a:bodyPr wrap="square" rtlCol="0">
-            <a:spAutoFit/>
-          </a:bodyPr>
-          <a:lstStyle/>
-          <a:p>
-            <a:r>
               <a:rPr lang="en-IN" sz="3200" b="1" dirty="0">
                 <a:solidFill>
                   <a:srgbClr val="46B0FA"/>
@@ -5440,167 +7334,6 @@
     <p:extLst>
       <p:ext uri="{BB962C8B-B14F-4D97-AF65-F5344CB8AC3E}">
         <p14:creationId xmlns:p14="http://schemas.microsoft.com/office/powerpoint/2010/main" val="1359081233"/>
-      </p:ext>
-    </p:extLst>
-  </p:cSld>
-  <p:clrMapOvr>
-    <a:masterClrMapping/>
-  </p:clrMapOvr>
-</p:sld>
-</file>
-
-<file path=ppt/slides/slide21.xml><?xml version="1.0" encoding="utf-8"?>
-<p:sld xmlns:a="http://schemas.openxmlformats.org/drawingml/2006/main" xmlns:r="http://schemas.openxmlformats.org/officeDocument/2006/relationships" xmlns:p="http://schemas.openxmlformats.org/presentationml/2006/main">
-  <p:cSld>
-    <p:spTree>
-      <p:nvGrpSpPr>
-        <p:cNvPr id="1" name=""/>
-        <p:cNvGrpSpPr/>
-        <p:nvPr/>
-      </p:nvGrpSpPr>
-      <p:grpSpPr>
-        <a:xfrm>
-          <a:off x="0" y="0"/>
-          <a:ext cx="0" cy="0"/>
-          <a:chOff x="0" y="0"/>
-          <a:chExt cx="0" cy="0"/>
-        </a:xfrm>
-      </p:grpSpPr>
-      <p:sp>
-        <p:nvSpPr>
-          <p:cNvPr id="2" name="TextBox 1">
-            <a:extLst>
-              <a:ext uri="{FF2B5EF4-FFF2-40B4-BE49-F238E27FC236}">
-                <a16:creationId xmlns:a16="http://schemas.microsoft.com/office/drawing/2014/main" id="{C39D82EA-6098-704F-AD4D-D13A499C492D}"/>
-              </a:ext>
-            </a:extLst>
-          </p:cNvPr>
-          <p:cNvSpPr txBox="1"/>
-          <p:nvPr/>
-        </p:nvSpPr>
-        <p:spPr>
-          <a:xfrm>
-            <a:off x="1895294" y="3601496"/>
-            <a:ext cx="8401412" cy="1200329"/>
-          </a:xfrm>
-          <a:prstGeom prst="rect">
-            <a:avLst/>
-          </a:prstGeom>
-          <a:noFill/>
-        </p:spPr>
-        <p:txBody>
-          <a:bodyPr wrap="square" rtlCol="0">
-            <a:spAutoFit/>
-          </a:bodyPr>
-          <a:lstStyle/>
-          <a:p>
-            <a:pPr algn="ctr"/>
-            <a:r>
-              <a:rPr lang="en-US" sz="7200" b="1" dirty="0">
-                <a:solidFill>
-                  <a:srgbClr val="46B0FA"/>
-                </a:solidFill>
-                <a:latin typeface="Arial" panose="020B0604020202020204" pitchFamily="34" charset="0"/>
-                <a:cs typeface="Arial" panose="020B0604020202020204" pitchFamily="34" charset="0"/>
-              </a:rPr>
-              <a:t>Thank You</a:t>
-            </a:r>
-            <a:endParaRPr lang="en-IN" sz="7200" b="1" dirty="0">
-              <a:solidFill>
-                <a:srgbClr val="46B0FA"/>
-              </a:solidFill>
-              <a:latin typeface="Arial" panose="020B0604020202020204" pitchFamily="34" charset="0"/>
-              <a:cs typeface="Arial" panose="020B0604020202020204" pitchFamily="34" charset="0"/>
-            </a:endParaRPr>
-          </a:p>
-        </p:txBody>
-      </p:sp>
-      <p:sp>
-        <p:nvSpPr>
-          <p:cNvPr id="4" name="Rectangle 3">
-            <a:extLst>
-              <a:ext uri="{FF2B5EF4-FFF2-40B4-BE49-F238E27FC236}">
-                <a16:creationId xmlns:a16="http://schemas.microsoft.com/office/drawing/2014/main" id="{B7FBB1AB-6227-0A49-9677-D759BB97E908}"/>
-              </a:ext>
-            </a:extLst>
-          </p:cNvPr>
-          <p:cNvSpPr/>
-          <p:nvPr/>
-        </p:nvSpPr>
-        <p:spPr>
-          <a:xfrm>
-            <a:off x="10668000" y="150471"/>
-            <a:ext cx="1381246" cy="682906"/>
-          </a:xfrm>
-          <a:prstGeom prst="rect">
-            <a:avLst/>
-          </a:prstGeom>
-          <a:solidFill>
-            <a:schemeClr val="bg1"/>
-          </a:solidFill>
-          <a:ln>
-            <a:noFill/>
-          </a:ln>
-        </p:spPr>
-        <p:style>
-          <a:lnRef idx="2">
-            <a:schemeClr val="accent1">
-              <a:shade val="50000"/>
-            </a:schemeClr>
-          </a:lnRef>
-          <a:fillRef idx="1">
-            <a:schemeClr val="accent1"/>
-          </a:fillRef>
-          <a:effectRef idx="0">
-            <a:schemeClr val="accent1"/>
-          </a:effectRef>
-          <a:fontRef idx="minor">
-            <a:schemeClr val="lt1"/>
-          </a:fontRef>
-        </p:style>
-        <p:txBody>
-          <a:bodyPr rtlCol="0" anchor="ctr"/>
-          <a:lstStyle/>
-          <a:p>
-            <a:pPr algn="ctr"/>
-            <a:endParaRPr lang="en-US" dirty="0"/>
-          </a:p>
-        </p:txBody>
-      </p:sp>
-      <p:pic>
-        <p:nvPicPr>
-          <p:cNvPr id="5" name="Picture 4" descr="A picture containing text, clipart&#10;&#10;Description automatically generated">
-            <a:extLst>
-              <a:ext uri="{FF2B5EF4-FFF2-40B4-BE49-F238E27FC236}">
-                <a16:creationId xmlns:a16="http://schemas.microsoft.com/office/drawing/2014/main" id="{B3B91EF5-66BF-4A12-80C1-98869846E0D6}"/>
-              </a:ext>
-            </a:extLst>
-          </p:cNvPr>
-          <p:cNvPicPr>
-            <a:picLocks noChangeAspect="1"/>
-          </p:cNvPicPr>
-          <p:nvPr/>
-        </p:nvPicPr>
-        <p:blipFill>
-          <a:blip r:embed="rId2"/>
-          <a:stretch>
-            <a:fillRect/>
-          </a:stretch>
-        </p:blipFill>
-        <p:spPr>
-          <a:xfrm>
-            <a:off x="3992880" y="1709987"/>
-            <a:ext cx="4206240" cy="1806854"/>
-          </a:xfrm>
-          <a:prstGeom prst="rect">
-            <a:avLst/>
-          </a:prstGeom>
-        </p:spPr>
-      </p:pic>
-    </p:spTree>
-    <p:extLst>
-      <p:ext uri="{BB962C8B-B14F-4D97-AF65-F5344CB8AC3E}">
-        <p14:creationId xmlns:p14="http://schemas.microsoft.com/office/powerpoint/2010/main" val="3579348268"/>
       </p:ext>
     </p:extLst>
   </p:cSld>
@@ -6371,6 +8104,167 @@
     <p:extLst>
       <p:ext uri="{BB962C8B-B14F-4D97-AF65-F5344CB8AC3E}">
         <p14:creationId xmlns:p14="http://schemas.microsoft.com/office/powerpoint/2010/main" val="480493988"/>
+      </p:ext>
+    </p:extLst>
+  </p:cSld>
+  <p:clrMapOvr>
+    <a:masterClrMapping/>
+  </p:clrMapOvr>
+</p:sld>
+</file>
+
+<file path=ppt/slides/slide30.xml><?xml version="1.0" encoding="utf-8"?>
+<p:sld xmlns:a="http://schemas.openxmlformats.org/drawingml/2006/main" xmlns:r="http://schemas.openxmlformats.org/officeDocument/2006/relationships" xmlns:p="http://schemas.openxmlformats.org/presentationml/2006/main">
+  <p:cSld>
+    <p:spTree>
+      <p:nvGrpSpPr>
+        <p:cNvPr id="1" name=""/>
+        <p:cNvGrpSpPr/>
+        <p:nvPr/>
+      </p:nvGrpSpPr>
+      <p:grpSpPr>
+        <a:xfrm>
+          <a:off x="0" y="0"/>
+          <a:ext cx="0" cy="0"/>
+          <a:chOff x="0" y="0"/>
+          <a:chExt cx="0" cy="0"/>
+        </a:xfrm>
+      </p:grpSpPr>
+      <p:sp>
+        <p:nvSpPr>
+          <p:cNvPr id="2" name="TextBox 1">
+            <a:extLst>
+              <a:ext uri="{FF2B5EF4-FFF2-40B4-BE49-F238E27FC236}">
+                <a16:creationId xmlns:a16="http://schemas.microsoft.com/office/drawing/2014/main" id="{C39D82EA-6098-704F-AD4D-D13A499C492D}"/>
+              </a:ext>
+            </a:extLst>
+          </p:cNvPr>
+          <p:cNvSpPr txBox="1"/>
+          <p:nvPr/>
+        </p:nvSpPr>
+        <p:spPr>
+          <a:xfrm>
+            <a:off x="1895294" y="3601496"/>
+            <a:ext cx="8401412" cy="1200329"/>
+          </a:xfrm>
+          <a:prstGeom prst="rect">
+            <a:avLst/>
+          </a:prstGeom>
+          <a:noFill/>
+        </p:spPr>
+        <p:txBody>
+          <a:bodyPr wrap="square" rtlCol="0">
+            <a:spAutoFit/>
+          </a:bodyPr>
+          <a:lstStyle/>
+          <a:p>
+            <a:pPr algn="ctr"/>
+            <a:r>
+              <a:rPr lang="en-US" sz="7200" b="1" dirty="0">
+                <a:solidFill>
+                  <a:srgbClr val="46B0FA"/>
+                </a:solidFill>
+                <a:latin typeface="Arial" panose="020B0604020202020204" pitchFamily="34" charset="0"/>
+                <a:cs typeface="Arial" panose="020B0604020202020204" pitchFamily="34" charset="0"/>
+              </a:rPr>
+              <a:t>Thank You</a:t>
+            </a:r>
+            <a:endParaRPr lang="en-IN" sz="7200" b="1" dirty="0">
+              <a:solidFill>
+                <a:srgbClr val="46B0FA"/>
+              </a:solidFill>
+              <a:latin typeface="Arial" panose="020B0604020202020204" pitchFamily="34" charset="0"/>
+              <a:cs typeface="Arial" panose="020B0604020202020204" pitchFamily="34" charset="0"/>
+            </a:endParaRPr>
+          </a:p>
+        </p:txBody>
+      </p:sp>
+      <p:sp>
+        <p:nvSpPr>
+          <p:cNvPr id="4" name="Rectangle 3">
+            <a:extLst>
+              <a:ext uri="{FF2B5EF4-FFF2-40B4-BE49-F238E27FC236}">
+                <a16:creationId xmlns:a16="http://schemas.microsoft.com/office/drawing/2014/main" id="{B7FBB1AB-6227-0A49-9677-D759BB97E908}"/>
+              </a:ext>
+            </a:extLst>
+          </p:cNvPr>
+          <p:cNvSpPr/>
+          <p:nvPr/>
+        </p:nvSpPr>
+        <p:spPr>
+          <a:xfrm>
+            <a:off x="10668000" y="150471"/>
+            <a:ext cx="1381246" cy="682906"/>
+          </a:xfrm>
+          <a:prstGeom prst="rect">
+            <a:avLst/>
+          </a:prstGeom>
+          <a:solidFill>
+            <a:schemeClr val="bg1"/>
+          </a:solidFill>
+          <a:ln>
+            <a:noFill/>
+          </a:ln>
+        </p:spPr>
+        <p:style>
+          <a:lnRef idx="2">
+            <a:schemeClr val="accent1">
+              <a:shade val="50000"/>
+            </a:schemeClr>
+          </a:lnRef>
+          <a:fillRef idx="1">
+            <a:schemeClr val="accent1"/>
+          </a:fillRef>
+          <a:effectRef idx="0">
+            <a:schemeClr val="accent1"/>
+          </a:effectRef>
+          <a:fontRef idx="minor">
+            <a:schemeClr val="lt1"/>
+          </a:fontRef>
+        </p:style>
+        <p:txBody>
+          <a:bodyPr rtlCol="0" anchor="ctr"/>
+          <a:lstStyle/>
+          <a:p>
+            <a:pPr algn="ctr"/>
+            <a:endParaRPr lang="en-US" dirty="0"/>
+          </a:p>
+        </p:txBody>
+      </p:sp>
+      <p:pic>
+        <p:nvPicPr>
+          <p:cNvPr id="5" name="Picture 4" descr="A picture containing text, clipart&#10;&#10;Description automatically generated">
+            <a:extLst>
+              <a:ext uri="{FF2B5EF4-FFF2-40B4-BE49-F238E27FC236}">
+                <a16:creationId xmlns:a16="http://schemas.microsoft.com/office/drawing/2014/main" id="{B3B91EF5-66BF-4A12-80C1-98869846E0D6}"/>
+              </a:ext>
+            </a:extLst>
+          </p:cNvPr>
+          <p:cNvPicPr>
+            <a:picLocks noChangeAspect="1"/>
+          </p:cNvPicPr>
+          <p:nvPr/>
+        </p:nvPicPr>
+        <p:blipFill>
+          <a:blip r:embed="rId2"/>
+          <a:stretch>
+            <a:fillRect/>
+          </a:stretch>
+        </p:blipFill>
+        <p:spPr>
+          <a:xfrm>
+            <a:off x="3992880" y="1709987"/>
+            <a:ext cx="4206240" cy="1806854"/>
+          </a:xfrm>
+          <a:prstGeom prst="rect">
+            <a:avLst/>
+          </a:prstGeom>
+        </p:spPr>
+      </p:pic>
+    </p:spTree>
+    <p:extLst>
+      <p:ext uri="{BB962C8B-B14F-4D97-AF65-F5344CB8AC3E}">
+        <p14:creationId xmlns:p14="http://schemas.microsoft.com/office/powerpoint/2010/main" val="3579348268"/>
       </p:ext>
     </p:extLst>
   </p:cSld>
